--- a/fancy/openPayment - Original Draft.pptx
+++ b/fancy/openPayment - Original Draft.pptx
@@ -114,6 +114,11 @@
       </a:defRPr>
     </a:lvl9pPr>
   </p:defaultTextStyle>
+  <p:extLst>
+    <p:ext uri="{EFAFB233-063F-42B5-8137-9DF3F51BA10A}">
+      <p15:sldGuideLst xmlns:p15="http://schemas.microsoft.com/office/powerpoint/2012/main"/>
+    </p:ext>
+  </p:extLst>
 </p:presentation>
 </file>
 
@@ -670,31 +675,18 @@
           <a:bodyPr/>
           <a:lstStyle/>
           <a:p>
-            <a:r>
-              <a:rPr lang="en-US" dirty="0" smtClean="0"/>
-              <a:t>The first thing a user has to do </a:t>
-            </a:r>
-            <a:r>
-              <a:rPr lang="en-US" baseline="0" dirty="0" smtClean="0"/>
-              <a:t>is initialize their Payment Root Account (PRA).  What is important to note is that the Payment Root Provider (PRP) is not acting as an Identity Provider, instead any Identity Provider can be used (Google, Microsoft, Facebook, Apple, etc).  As part of the PRA initialization a user certificate is generated and signed by the PRP where the Subject Name on the certificate is the user’s immutable-ID.  The key materials for the certificate are then stored in a micro-partition on the PRP which can only be accessed by the authenticated user.  In addition, the resulting PRA doesn’t contain any PII information as the account is based on an immutable-ID derived from the Identity Provider’s URL.  Once the PRA has been initialized the next step is for the user to define trusted Payment Processors.</a:t>
-            </a:r>
-          </a:p>
-          <a:p>
-            <a:endParaRPr lang="en-US" baseline="0" dirty="0" smtClean="0"/>
-          </a:p>
-          <a:p>
-            <a:endParaRPr lang="en-US" baseline="0" dirty="0" smtClean="0"/>
-          </a:p>
-        </p:txBody>
-      </p:sp>
-      <p:sp>
-        <p:nvSpPr>
-          <p:cNvPr id="4" name="Header Placeholder 3"/>
+            <a:endParaRPr lang="en-US" dirty="0"/>
+          </a:p>
+        </p:txBody>
+      </p:sp>
+      <p:sp>
+        <p:nvSpPr>
+          <p:cNvPr id="4" name="Slide Number Placeholder 3"/>
           <p:cNvSpPr>
             <a:spLocks noGrp="1"/>
           </p:cNvSpPr>
           <p:nvPr>
-            <p:ph type="hdr" sz="quarter" idx="10"/>
+            <p:ph type="sldNum" sz="quarter" idx="10"/>
           </p:nvPr>
         </p:nvSpPr>
         <p:spPr/>
@@ -702,79 +694,18 @@
           <a:bodyPr/>
           <a:lstStyle/>
           <a:p>
-            <a:endParaRPr lang="en-US" dirty="0"/>
-          </a:p>
-        </p:txBody>
-      </p:sp>
-      <p:sp>
-        <p:nvSpPr>
-          <p:cNvPr id="5" name="Date Placeholder 4"/>
-          <p:cNvSpPr>
-            <a:spLocks noGrp="1"/>
-          </p:cNvSpPr>
-          <p:nvPr>
-            <p:ph type="dt" idx="11"/>
-          </p:nvPr>
-        </p:nvSpPr>
-        <p:spPr/>
-        <p:txBody>
-          <a:bodyPr/>
-          <a:lstStyle/>
-          <a:p>
-            <a:fld id="{44878460-532D-4B8E-9469-8CF8E0099A73}" type="datetime1">
+            <a:fld id="{11B81B16-CAE1-43C8-8B87-7FFA47ACC8FF}" type="slidenum">
               <a:rPr lang="en-US" smtClean="0"/>
-              <a:t>1/16/2014</a:t>
+              <a:t>4</a:t>
             </a:fld>
-            <a:endParaRPr lang="en-US" dirty="0"/>
-          </a:p>
-        </p:txBody>
-      </p:sp>
-      <p:sp>
-        <p:nvSpPr>
-          <p:cNvPr id="6" name="Footer Placeholder 5"/>
-          <p:cNvSpPr>
-            <a:spLocks noGrp="1"/>
-          </p:cNvSpPr>
-          <p:nvPr>
-            <p:ph type="ftr" sz="quarter" idx="12"/>
-          </p:nvPr>
-        </p:nvSpPr>
-        <p:spPr/>
-        <p:txBody>
-          <a:bodyPr/>
-          <a:lstStyle/>
-          <a:p>
-            <a:endParaRPr lang="en-US" dirty="0"/>
-          </a:p>
-        </p:txBody>
-      </p:sp>
-      <p:sp>
-        <p:nvSpPr>
-          <p:cNvPr id="7" name="Slide Number Placeholder 6"/>
-          <p:cNvSpPr>
-            <a:spLocks noGrp="1"/>
-          </p:cNvSpPr>
-          <p:nvPr>
-            <p:ph type="sldNum" sz="quarter" idx="13"/>
-          </p:nvPr>
-        </p:nvSpPr>
-        <p:spPr/>
-        <p:txBody>
-          <a:bodyPr/>
-          <a:lstStyle/>
-          <a:p>
-            <a:fld id="{F55EC67E-402D-4FA6-937E-816E25842894}" type="slidenum">
-              <a:rPr lang="en-US" smtClean="0"/>
-              <a:t>5</a:t>
-            </a:fld>
-            <a:endParaRPr lang="en-US" dirty="0"/>
+            <a:endParaRPr lang="en-US"/>
           </a:p>
         </p:txBody>
       </p:sp>
     </p:spTree>
     <p:extLst>
       <p:ext uri="{BB962C8B-B14F-4D97-AF65-F5344CB8AC3E}">
-        <p14:creationId xmlns:p14="http://schemas.microsoft.com/office/powerpoint/2010/main" val="999557256"/>
+        <p14:creationId xmlns:p14="http://schemas.microsoft.com/office/powerpoint/2010/main" val="3160239566"/>
       </p:ext>
     </p:extLst>
   </p:cSld>
@@ -830,133 +761,18 @@
           <a:p>
             <a:r>
               <a:rPr lang="en-US" dirty="0" smtClean="0"/>
-              <a:t>Next,</a:t>
+              <a:t>The first thing a user has to do </a:t>
             </a:r>
             <a:r>
               <a:rPr lang="en-US" baseline="0" dirty="0" smtClean="0"/>
-              <a:t> the user would need to define trusted Payment Processors which will handle any requested transactions.  There can be two types of Payment Processors.  The first type is a financial institution which can handle token transactions themselves.  While the second type is proxy processor which can handle token transactions, but then executions the transaction with a financial institution using existing means.  This is done to allow hybrid payment scenarios vs. forcing token transactions all the time.  To define a Payment Processor the following steps are used:</a:t>
+              <a:t>is initialize their Payment Root Account (PRA).  What is important to note is that the Payment Root Provider (PRP) is not acting as an Identity Provider, instead any Identity Provider can be used (Google, Microsoft, Facebook, Apple, etc).  As part of the PRA initialization a user certificate is generated and signed by the PRP where the Subject Name on the certificate is the user’s immutable-ID.  The key materials for the certificate are then stored in a micro-partition on the PRP which can only be accessed by the authenticated user.  In addition, the resulting PRA doesn’t contain any PII information as the account is based on an immutable-ID derived from the Identity Provider’s URL.  Once the PRA has been initialized the next step is for the user to define trusted Payment Processors.</a:t>
             </a:r>
           </a:p>
           <a:p>
             <a:endParaRPr lang="en-US" baseline="0" dirty="0" smtClean="0"/>
           </a:p>
           <a:p>
-            <a:pPr marL="228600" indent="-228600">
-              <a:buFont typeface="+mj-lt"/>
-              <a:buAutoNum type="arabicPeriod"/>
-            </a:pPr>
-            <a:r>
-              <a:rPr lang="en-US" baseline="0" dirty="0" smtClean="0"/>
-              <a:t>Using the existing session a user would select a Payment Processor from a list of (pre-registered and trusted) Payment Processors.</a:t>
-            </a:r>
-          </a:p>
-          <a:p>
-            <a:pPr marL="228600" indent="-228600">
-              <a:buFont typeface="+mj-lt"/>
-              <a:buAutoNum type="arabicPeriod"/>
-            </a:pPr>
-            <a:r>
-              <a:rPr lang="en-US" baseline="0" dirty="0" smtClean="0"/>
-              <a:t>Next, the PRP would issue a digitally signed R-Token (Request Token) to the user.  This token would include the PRP’s URL, and the PRA’s immutable-ID as part of the XML based token.</a:t>
-            </a:r>
-          </a:p>
-          <a:p>
-            <a:pPr marL="228600" indent="-228600">
-              <a:buFont typeface="+mj-lt"/>
-              <a:buAutoNum type="arabicPeriod"/>
-            </a:pPr>
-            <a:r>
-              <a:rPr lang="en-US" baseline="0" dirty="0" smtClean="0"/>
-              <a:t>The user would then send the R-Token to the Payment Processor.</a:t>
-            </a:r>
-          </a:p>
-          <a:p>
-            <a:pPr marL="228600" indent="-228600">
-              <a:buFont typeface="+mj-lt"/>
-              <a:buAutoNum type="arabicPeriod"/>
-            </a:pPr>
-            <a:r>
-              <a:rPr lang="en-US" baseline="0" dirty="0" smtClean="0"/>
-              <a:t>The Payment Processor would validate the R-Token using OCSP and then challenge the user with its own credentials request (the user would need a preexisting account with the Payment Processor).</a:t>
-            </a:r>
-          </a:p>
-          <a:p>
-            <a:pPr marL="228600" indent="-228600">
-              <a:buFont typeface="+mj-lt"/>
-              <a:buAutoNum type="arabicPeriod"/>
-            </a:pPr>
-            <a:r>
-              <a:rPr lang="en-US" baseline="0" dirty="0" smtClean="0"/>
-              <a:t>Once challenged the user would need to provide the required claims to the Payment Processor to authenticate.</a:t>
-            </a:r>
-          </a:p>
-          <a:p>
-            <a:pPr marL="228600" indent="-228600">
-              <a:buFont typeface="+mj-lt"/>
-              <a:buAutoNum type="arabicPeriod"/>
-            </a:pPr>
-            <a:r>
-              <a:rPr lang="en-US" baseline="0" dirty="0" smtClean="0"/>
-              <a:t>After the user has been authenticated the Payment Processor would then setup a link between the user’s local account and their PRA.  This link should reference the PRA’s immutable-ID and the PRP that it’s associated with.</a:t>
-            </a:r>
-          </a:p>
-          <a:p>
-            <a:pPr marL="228600" indent="-228600">
-              <a:buFont typeface="+mj-lt"/>
-              <a:buAutoNum type="arabicPeriod"/>
-            </a:pPr>
-            <a:r>
-              <a:rPr lang="en-US" baseline="0" dirty="0" smtClean="0"/>
-              <a:t>After the account link has been setup the Payment Processor would issue a issue a digitally signed I-Token (Initialize Token) to the user. This token would include the Payment Processor’s immutable-ID, its service URL, and the PRA’s immutable-ID as part of the XML based token.</a:t>
-            </a:r>
-          </a:p>
-          <a:p>
-            <a:pPr marL="228600" indent="-228600">
-              <a:buFont typeface="+mj-lt"/>
-              <a:buAutoNum type="arabicPeriod"/>
-            </a:pPr>
-            <a:r>
-              <a:rPr lang="en-US" baseline="0" dirty="0" smtClean="0"/>
-              <a:t>Next, the user would submit the I-Token to the PRA.</a:t>
-            </a:r>
-          </a:p>
-          <a:p>
-            <a:pPr marL="228600" indent="-228600">
-              <a:buFont typeface="+mj-lt"/>
-              <a:buAutoNum type="arabicPeriod"/>
-            </a:pPr>
-            <a:r>
-              <a:rPr lang="en-US" baseline="0" dirty="0" smtClean="0"/>
-              <a:t>Lastly, the PRP would validate the I-Token using OCSP and setup a link between the user’s PRA and the Payment Processor.  This link information is encrypted using the PRA’s certificate.</a:t>
-            </a:r>
-          </a:p>
-          <a:p>
-            <a:pPr marL="228600" indent="-228600">
-              <a:buFont typeface="+mj-lt"/>
-              <a:buAutoNum type="arabicPeriod"/>
-            </a:pPr>
             <a:endParaRPr lang="en-US" baseline="0" dirty="0" smtClean="0"/>
-          </a:p>
-          <a:p>
-            <a:pPr marL="0" indent="0">
-              <a:buFont typeface="+mj-lt"/>
-              <a:buNone/>
-            </a:pPr>
-            <a:r>
-              <a:rPr lang="en-US" b="1" baseline="0" dirty="0" smtClean="0"/>
-              <a:t>Note:</a:t>
-            </a:r>
-            <a:endParaRPr lang="en-US" b="0" baseline="0" dirty="0" smtClean="0"/>
-          </a:p>
-          <a:p>
-            <a:pPr marL="171450" indent="-171450">
-              <a:buFont typeface="Arial" panose="020B0604020202020204" pitchFamily="34" charset="0"/>
-              <a:buChar char="•"/>
-            </a:pPr>
-            <a:r>
-              <a:rPr lang="en-US" b="0" baseline="0" dirty="0" smtClean="0"/>
-              <a:t>Other then Payment Processor link information no PII information is stored on a PRP.</a:t>
-            </a:r>
           </a:p>
         </p:txBody>
       </p:sp>
@@ -1038,7 +854,7 @@
           <a:p>
             <a:fld id="{F55EC67E-402D-4FA6-937E-816E25842894}" type="slidenum">
               <a:rPr lang="en-US" smtClean="0"/>
-              <a:t>6</a:t>
+              <a:t>5</a:t>
             </a:fld>
             <a:endParaRPr lang="en-US" dirty="0"/>
           </a:p>
@@ -1047,7 +863,7 @@
     </p:spTree>
     <p:extLst>
       <p:ext uri="{BB962C8B-B14F-4D97-AF65-F5344CB8AC3E}">
-        <p14:creationId xmlns:p14="http://schemas.microsoft.com/office/powerpoint/2010/main" val="1344970797"/>
+        <p14:creationId xmlns:p14="http://schemas.microsoft.com/office/powerpoint/2010/main" val="999557256"/>
       </p:ext>
     </p:extLst>
   </p:cSld>
@@ -1103,6 +919,279 @@
           <a:p>
             <a:r>
               <a:rPr lang="en-US" dirty="0" smtClean="0"/>
+              <a:t>Next,</a:t>
+            </a:r>
+            <a:r>
+              <a:rPr lang="en-US" baseline="0" dirty="0" smtClean="0"/>
+              <a:t> the user would need to define trusted Payment Processors which will handle any requested transactions.  There can be two types of Payment Processors.  The first type is a financial institution which can handle token transactions themselves.  While the second type is proxy processor which can handle token transactions, but then executions the transaction with a financial institution using existing means.  This is done to allow hybrid payment scenarios vs. forcing token transactions all the time.  To define a Payment Processor the following steps are used:</a:t>
+            </a:r>
+          </a:p>
+          <a:p>
+            <a:endParaRPr lang="en-US" baseline="0" dirty="0" smtClean="0"/>
+          </a:p>
+          <a:p>
+            <a:pPr marL="228600" indent="-228600">
+              <a:buFont typeface="+mj-lt"/>
+              <a:buAutoNum type="arabicPeriod"/>
+            </a:pPr>
+            <a:r>
+              <a:rPr lang="en-US" baseline="0" dirty="0" smtClean="0"/>
+              <a:t>Using the existing session a user would select a Payment Processor from a list of (pre-registered and trusted) Payment Processors.</a:t>
+            </a:r>
+          </a:p>
+          <a:p>
+            <a:pPr marL="228600" indent="-228600">
+              <a:buFont typeface="+mj-lt"/>
+              <a:buAutoNum type="arabicPeriod"/>
+            </a:pPr>
+            <a:r>
+              <a:rPr lang="en-US" baseline="0" dirty="0" smtClean="0"/>
+              <a:t>Next, the PRP would issue a digitally signed R-Token (Request Token) to the user.  This token would include the PRP’s URL, and the PRA’s immutable-ID as part of the XML based token.</a:t>
+            </a:r>
+          </a:p>
+          <a:p>
+            <a:pPr marL="228600" indent="-228600">
+              <a:buFont typeface="+mj-lt"/>
+              <a:buAutoNum type="arabicPeriod"/>
+            </a:pPr>
+            <a:r>
+              <a:rPr lang="en-US" baseline="0" dirty="0" smtClean="0"/>
+              <a:t>The user would then send the R-Token to the Payment Processor.</a:t>
+            </a:r>
+          </a:p>
+          <a:p>
+            <a:pPr marL="228600" indent="-228600">
+              <a:buFont typeface="+mj-lt"/>
+              <a:buAutoNum type="arabicPeriod"/>
+            </a:pPr>
+            <a:r>
+              <a:rPr lang="en-US" baseline="0" dirty="0" smtClean="0"/>
+              <a:t>The Payment Processor would validate the R-Token using OCSP and then challenge the user with its own credentials request (the user would need a preexisting account with the Payment Processor).</a:t>
+            </a:r>
+          </a:p>
+          <a:p>
+            <a:pPr marL="228600" indent="-228600">
+              <a:buFont typeface="+mj-lt"/>
+              <a:buAutoNum type="arabicPeriod"/>
+            </a:pPr>
+            <a:r>
+              <a:rPr lang="en-US" baseline="0" dirty="0" smtClean="0"/>
+              <a:t>Once challenged the user would need to provide the required claims to the Payment Processor to authenticate.</a:t>
+            </a:r>
+          </a:p>
+          <a:p>
+            <a:pPr marL="228600" indent="-228600">
+              <a:buFont typeface="+mj-lt"/>
+              <a:buAutoNum type="arabicPeriod"/>
+            </a:pPr>
+            <a:r>
+              <a:rPr lang="en-US" baseline="0" dirty="0" smtClean="0"/>
+              <a:t>After the user has been authenticated the Payment Processor would then setup a link between the user’s local account and their PRA.  This link should reference the PRA’s immutable-ID and the PRP that it’s associated with.</a:t>
+            </a:r>
+          </a:p>
+          <a:p>
+            <a:pPr marL="228600" indent="-228600">
+              <a:buFont typeface="+mj-lt"/>
+              <a:buAutoNum type="arabicPeriod"/>
+            </a:pPr>
+            <a:r>
+              <a:rPr lang="en-US" baseline="0" dirty="0" smtClean="0"/>
+              <a:t>After the account link has been setup the Payment Processor would issue a issue a digitally signed I-Token (Initialize Token) to the user. This token would include the Payment Processor’s immutable-ID, its service URL, and the PRA’s immutable-ID as part of the XML based token.</a:t>
+            </a:r>
+          </a:p>
+          <a:p>
+            <a:pPr marL="228600" indent="-228600">
+              <a:buFont typeface="+mj-lt"/>
+              <a:buAutoNum type="arabicPeriod"/>
+            </a:pPr>
+            <a:r>
+              <a:rPr lang="en-US" baseline="0" dirty="0" smtClean="0"/>
+              <a:t>Next, the user would submit the I-Token to the PRA.</a:t>
+            </a:r>
+          </a:p>
+          <a:p>
+            <a:pPr marL="228600" indent="-228600">
+              <a:buFont typeface="+mj-lt"/>
+              <a:buAutoNum type="arabicPeriod"/>
+            </a:pPr>
+            <a:r>
+              <a:rPr lang="en-US" baseline="0" dirty="0" smtClean="0"/>
+              <a:t>Lastly, the PRP would validate the I-Token using OCSP and setup a link between the user’s PRA and the Payment Processor.  This link information is encrypted using the PRA’s certificate.</a:t>
+            </a:r>
+          </a:p>
+          <a:p>
+            <a:pPr marL="228600" indent="-228600">
+              <a:buFont typeface="+mj-lt"/>
+              <a:buAutoNum type="arabicPeriod"/>
+            </a:pPr>
+            <a:endParaRPr lang="en-US" baseline="0" dirty="0" smtClean="0"/>
+          </a:p>
+          <a:p>
+            <a:pPr marL="0" indent="0">
+              <a:buFont typeface="+mj-lt"/>
+              <a:buNone/>
+            </a:pPr>
+            <a:r>
+              <a:rPr lang="en-US" b="1" baseline="0" dirty="0" smtClean="0"/>
+              <a:t>Note:</a:t>
+            </a:r>
+            <a:endParaRPr lang="en-US" b="0" baseline="0" dirty="0" smtClean="0"/>
+          </a:p>
+          <a:p>
+            <a:pPr marL="171450" indent="-171450">
+              <a:buFont typeface="Arial" panose="020B0604020202020204" pitchFamily="34" charset="0"/>
+              <a:buChar char="•"/>
+            </a:pPr>
+            <a:r>
+              <a:rPr lang="en-US" b="0" baseline="0" dirty="0" smtClean="0"/>
+              <a:t>Other then Payment Processor link information no PII information is stored on a PRP.</a:t>
+            </a:r>
+          </a:p>
+        </p:txBody>
+      </p:sp>
+      <p:sp>
+        <p:nvSpPr>
+          <p:cNvPr id="4" name="Header Placeholder 3"/>
+          <p:cNvSpPr>
+            <a:spLocks noGrp="1"/>
+          </p:cNvSpPr>
+          <p:nvPr>
+            <p:ph type="hdr" sz="quarter" idx="10"/>
+          </p:nvPr>
+        </p:nvSpPr>
+        <p:spPr/>
+        <p:txBody>
+          <a:bodyPr/>
+          <a:lstStyle/>
+          <a:p>
+            <a:endParaRPr lang="en-US" dirty="0"/>
+          </a:p>
+        </p:txBody>
+      </p:sp>
+      <p:sp>
+        <p:nvSpPr>
+          <p:cNvPr id="5" name="Date Placeholder 4"/>
+          <p:cNvSpPr>
+            <a:spLocks noGrp="1"/>
+          </p:cNvSpPr>
+          <p:nvPr>
+            <p:ph type="dt" idx="11"/>
+          </p:nvPr>
+        </p:nvSpPr>
+        <p:spPr/>
+        <p:txBody>
+          <a:bodyPr/>
+          <a:lstStyle/>
+          <a:p>
+            <a:fld id="{44878460-532D-4B8E-9469-8CF8E0099A73}" type="datetime1">
+              <a:rPr lang="en-US" smtClean="0"/>
+              <a:t>1/16/2014</a:t>
+            </a:fld>
+            <a:endParaRPr lang="en-US" dirty="0"/>
+          </a:p>
+        </p:txBody>
+      </p:sp>
+      <p:sp>
+        <p:nvSpPr>
+          <p:cNvPr id="6" name="Footer Placeholder 5"/>
+          <p:cNvSpPr>
+            <a:spLocks noGrp="1"/>
+          </p:cNvSpPr>
+          <p:nvPr>
+            <p:ph type="ftr" sz="quarter" idx="12"/>
+          </p:nvPr>
+        </p:nvSpPr>
+        <p:spPr/>
+        <p:txBody>
+          <a:bodyPr/>
+          <a:lstStyle/>
+          <a:p>
+            <a:endParaRPr lang="en-US" dirty="0"/>
+          </a:p>
+        </p:txBody>
+      </p:sp>
+      <p:sp>
+        <p:nvSpPr>
+          <p:cNvPr id="7" name="Slide Number Placeholder 6"/>
+          <p:cNvSpPr>
+            <a:spLocks noGrp="1"/>
+          </p:cNvSpPr>
+          <p:nvPr>
+            <p:ph type="sldNum" sz="quarter" idx="13"/>
+          </p:nvPr>
+        </p:nvSpPr>
+        <p:spPr/>
+        <p:txBody>
+          <a:bodyPr/>
+          <a:lstStyle/>
+          <a:p>
+            <a:fld id="{F55EC67E-402D-4FA6-937E-816E25842894}" type="slidenum">
+              <a:rPr lang="en-US" smtClean="0"/>
+              <a:t>6</a:t>
+            </a:fld>
+            <a:endParaRPr lang="en-US" dirty="0"/>
+          </a:p>
+        </p:txBody>
+      </p:sp>
+    </p:spTree>
+    <p:extLst>
+      <p:ext uri="{BB962C8B-B14F-4D97-AF65-F5344CB8AC3E}">
+        <p14:creationId xmlns:p14="http://schemas.microsoft.com/office/powerpoint/2010/main" val="1344970797"/>
+      </p:ext>
+    </p:extLst>
+  </p:cSld>
+  <p:clrMapOvr>
+    <a:masterClrMapping/>
+  </p:clrMapOvr>
+</p:notes>
+</file>
+
+<file path=ppt/notesSlides/notesSlide5.xml><?xml version="1.0" encoding="utf-8"?>
+<p:notes xmlns:a="http://schemas.openxmlformats.org/drawingml/2006/main" xmlns:r="http://schemas.openxmlformats.org/officeDocument/2006/relationships" xmlns:p="http://schemas.openxmlformats.org/presentationml/2006/main">
+  <p:cSld>
+    <p:spTree>
+      <p:nvGrpSpPr>
+        <p:cNvPr id="1" name=""/>
+        <p:cNvGrpSpPr/>
+        <p:nvPr/>
+      </p:nvGrpSpPr>
+      <p:grpSpPr>
+        <a:xfrm>
+          <a:off x="0" y="0"/>
+          <a:ext cx="0" cy="0"/>
+          <a:chOff x="0" y="0"/>
+          <a:chExt cx="0" cy="0"/>
+        </a:xfrm>
+      </p:grpSpPr>
+      <p:sp>
+        <p:nvSpPr>
+          <p:cNvPr id="2" name="Slide Image Placeholder 1"/>
+          <p:cNvSpPr>
+            <a:spLocks noGrp="1" noRot="1" noChangeAspect="1"/>
+          </p:cNvSpPr>
+          <p:nvPr>
+            <p:ph type="sldImg"/>
+          </p:nvPr>
+        </p:nvSpPr>
+        <p:spPr/>
+      </p:sp>
+      <p:sp>
+        <p:nvSpPr>
+          <p:cNvPr id="3" name="Notes Placeholder 2"/>
+          <p:cNvSpPr>
+            <a:spLocks noGrp="1"/>
+          </p:cNvSpPr>
+          <p:nvPr>
+            <p:ph type="body" idx="1"/>
+          </p:nvPr>
+        </p:nvSpPr>
+        <p:spPr/>
+        <p:txBody>
+          <a:bodyPr/>
+          <a:lstStyle/>
+          <a:p>
+            <a:r>
+              <a:rPr lang="en-US" dirty="0" smtClean="0"/>
               <a:t>After</a:t>
             </a:r>
             <a:r>
@@ -1335,7 +1424,7 @@
 </p:notes>
 </file>
 
-<file path=ppt/notesSlides/notesSlide5.xml><?xml version="1.0" encoding="utf-8"?>
+<file path=ppt/notesSlides/notesSlide6.xml><?xml version="1.0" encoding="utf-8"?>
 <p:notes xmlns:a="http://schemas.openxmlformats.org/drawingml/2006/main" xmlns:r="http://schemas.openxmlformats.org/officeDocument/2006/relationships" xmlns:p="http://schemas.openxmlformats.org/presentationml/2006/main">
   <p:cSld>
     <p:spTree>
@@ -4517,7 +4606,12 @@
             <p:ph type="ctrTitle"/>
           </p:nvPr>
         </p:nvSpPr>
-        <p:spPr/>
+        <p:spPr>
+          <a:xfrm>
+            <a:off x="1524000" y="1122363"/>
+            <a:ext cx="8285018" cy="2387600"/>
+          </a:xfrm>
+        </p:spPr>
         <p:txBody>
           <a:bodyPr/>
           <a:lstStyle/>
@@ -4540,16 +4634,558 @@
             <p:ph type="subTitle" idx="1"/>
           </p:nvPr>
         </p:nvSpPr>
-        <p:spPr/>
-        <p:txBody>
-          <a:bodyPr/>
-          <a:lstStyle/>
-          <a:p>
+        <p:spPr>
+          <a:xfrm>
+            <a:off x="1524000" y="4301288"/>
+            <a:ext cx="9144000" cy="956511"/>
+          </a:xfrm>
+        </p:spPr>
+        <p:txBody>
+          <a:bodyPr>
+            <a:normAutofit fontScale="77500" lnSpcReduction="20000"/>
+          </a:bodyPr>
+          <a:lstStyle/>
+          <a:p>
+            <a:endParaRPr lang="en-US" dirty="0" smtClean="0">
+              <a:solidFill>
+                <a:schemeClr val="bg1">
+                  <a:lumMod val="75000"/>
+                </a:schemeClr>
+              </a:solidFill>
+            </a:endParaRPr>
+          </a:p>
+          <a:p>
+            <a:endParaRPr lang="en-US" dirty="0">
+              <a:solidFill>
+                <a:schemeClr val="bg1">
+                  <a:lumMod val="75000"/>
+                </a:schemeClr>
+              </a:solidFill>
+            </a:endParaRPr>
+          </a:p>
+          <a:p>
+            <a:r>
+              <a:rPr lang="en-US" dirty="0" smtClean="0">
+                <a:solidFill>
+                  <a:schemeClr val="bg1">
+                    <a:lumMod val="75000"/>
+                  </a:schemeClr>
+                </a:solidFill>
+              </a:rPr>
+              <a:t>Original </a:t>
+            </a:r>
+            <a:r>
+              <a:rPr lang="en-US" dirty="0" smtClean="0">
+                <a:solidFill>
+                  <a:schemeClr val="bg1">
+                    <a:lumMod val="75000"/>
+                  </a:schemeClr>
+                </a:solidFill>
+              </a:rPr>
+              <a:t>Draft</a:t>
+            </a:r>
+            <a:endParaRPr lang="en-US" dirty="0">
+              <a:solidFill>
+                <a:schemeClr val="bg1">
+                  <a:lumMod val="75000"/>
+                </a:schemeClr>
+              </a:solidFill>
+            </a:endParaRPr>
+          </a:p>
+        </p:txBody>
+      </p:sp>
+      <p:sp>
+        <p:nvSpPr>
+          <p:cNvPr id="4" name="Rectangle 3"/>
+          <p:cNvSpPr/>
+          <p:nvPr/>
+        </p:nvSpPr>
+        <p:spPr bwMode="blackGray">
+          <a:xfrm>
+            <a:off x="1473030" y="0"/>
+            <a:ext cx="2011680" cy="6122314"/>
+          </a:xfrm>
+          <a:prstGeom prst="rect">
+            <a:avLst/>
+          </a:prstGeom>
+          <a:solidFill>
+            <a:srgbClr val="8DC63F"/>
+          </a:solidFill>
+          <a:ln w="9525" cap="flat" cmpd="sng" algn="ctr">
+            <a:noFill/>
+            <a:prstDash val="solid"/>
+            <a:headEnd type="none" w="med" len="med"/>
+            <a:tailEnd type="none" w="med" len="med"/>
+          </a:ln>
+          <a:effectLst/>
+        </p:spPr>
+        <p:txBody>
+          <a:bodyPr vert="horz" wrap="square" lIns="182880" tIns="243840" rIns="121920" bIns="60957" numCol="1" rtlCol="0" anchor="t" anchorCtr="0" compatLnSpc="1">
+            <a:prstTxWarp prst="textNoShape">
+              <a:avLst/>
+            </a:prstTxWarp>
+          </a:bodyPr>
+          <a:lstStyle>
+            <a:defPPr>
+              <a:defRPr lang="en-US"/>
+            </a:defPPr>
+            <a:lvl1pPr marL="0" algn="l" defTabSz="914400" rtl="0" eaLnBrk="1" latinLnBrk="0" hangingPunct="1">
+              <a:defRPr sz="1800" kern="1200">
+                <a:solidFill>
+                  <a:schemeClr val="tx1"/>
+                </a:solidFill>
+                <a:latin typeface="+mn-lt"/>
+                <a:ea typeface="+mn-ea"/>
+                <a:cs typeface="+mn-cs"/>
+              </a:defRPr>
+            </a:lvl1pPr>
+            <a:lvl2pPr marL="457200" algn="l" defTabSz="914400" rtl="0" eaLnBrk="1" latinLnBrk="0" hangingPunct="1">
+              <a:defRPr sz="1800" kern="1200">
+                <a:solidFill>
+                  <a:schemeClr val="tx1"/>
+                </a:solidFill>
+                <a:latin typeface="+mn-lt"/>
+                <a:ea typeface="+mn-ea"/>
+                <a:cs typeface="+mn-cs"/>
+              </a:defRPr>
+            </a:lvl2pPr>
+            <a:lvl3pPr marL="914400" algn="l" defTabSz="914400" rtl="0" eaLnBrk="1" latinLnBrk="0" hangingPunct="1">
+              <a:defRPr sz="1800" kern="1200">
+                <a:solidFill>
+                  <a:schemeClr val="tx1"/>
+                </a:solidFill>
+                <a:latin typeface="+mn-lt"/>
+                <a:ea typeface="+mn-ea"/>
+                <a:cs typeface="+mn-cs"/>
+              </a:defRPr>
+            </a:lvl3pPr>
+            <a:lvl4pPr marL="1371600" algn="l" defTabSz="914400" rtl="0" eaLnBrk="1" latinLnBrk="0" hangingPunct="1">
+              <a:defRPr sz="1800" kern="1200">
+                <a:solidFill>
+                  <a:schemeClr val="tx1"/>
+                </a:solidFill>
+                <a:latin typeface="+mn-lt"/>
+                <a:ea typeface="+mn-ea"/>
+                <a:cs typeface="+mn-cs"/>
+              </a:defRPr>
+            </a:lvl4pPr>
+            <a:lvl5pPr marL="1828800" algn="l" defTabSz="914400" rtl="0" eaLnBrk="1" latinLnBrk="0" hangingPunct="1">
+              <a:defRPr sz="1800" kern="1200">
+                <a:solidFill>
+                  <a:schemeClr val="tx1"/>
+                </a:solidFill>
+                <a:latin typeface="+mn-lt"/>
+                <a:ea typeface="+mn-ea"/>
+                <a:cs typeface="+mn-cs"/>
+              </a:defRPr>
+            </a:lvl5pPr>
+            <a:lvl6pPr marL="2286000" algn="l" defTabSz="914400" rtl="0" eaLnBrk="1" latinLnBrk="0" hangingPunct="1">
+              <a:defRPr sz="1800" kern="1200">
+                <a:solidFill>
+                  <a:schemeClr val="tx1"/>
+                </a:solidFill>
+                <a:latin typeface="+mn-lt"/>
+                <a:ea typeface="+mn-ea"/>
+                <a:cs typeface="+mn-cs"/>
+              </a:defRPr>
+            </a:lvl6pPr>
+            <a:lvl7pPr marL="2743200" algn="l" defTabSz="914400" rtl="0" eaLnBrk="1" latinLnBrk="0" hangingPunct="1">
+              <a:defRPr sz="1800" kern="1200">
+                <a:solidFill>
+                  <a:schemeClr val="tx1"/>
+                </a:solidFill>
+                <a:latin typeface="+mn-lt"/>
+                <a:ea typeface="+mn-ea"/>
+                <a:cs typeface="+mn-cs"/>
+              </a:defRPr>
+            </a:lvl7pPr>
+            <a:lvl8pPr marL="3200400" algn="l" defTabSz="914400" rtl="0" eaLnBrk="1" latinLnBrk="0" hangingPunct="1">
+              <a:defRPr sz="1800" kern="1200">
+                <a:solidFill>
+                  <a:schemeClr val="tx1"/>
+                </a:solidFill>
+                <a:latin typeface="+mn-lt"/>
+                <a:ea typeface="+mn-ea"/>
+                <a:cs typeface="+mn-cs"/>
+              </a:defRPr>
+            </a:lvl8pPr>
+            <a:lvl9pPr marL="3657600" algn="l" defTabSz="914400" rtl="0" eaLnBrk="1" latinLnBrk="0" hangingPunct="1">
+              <a:defRPr sz="1800" kern="1200">
+                <a:solidFill>
+                  <a:schemeClr val="tx1"/>
+                </a:solidFill>
+                <a:latin typeface="+mn-lt"/>
+                <a:ea typeface="+mn-ea"/>
+                <a:cs typeface="+mn-cs"/>
+              </a:defRPr>
+            </a:lvl9pPr>
+          </a:lstStyle>
+          <a:p>
+            <a:pPr defTabSz="1219120">
+              <a:lnSpc>
+                <a:spcPct val="90000"/>
+              </a:lnSpc>
+            </a:pPr>
+            <a:endParaRPr lang="en-US" sz="2000" kern="0" dirty="0">
+              <a:gradFill>
+                <a:gsLst>
+                  <a:gs pos="0">
+                    <a:schemeClr val="bg1"/>
+                  </a:gs>
+                  <a:gs pos="100000">
+                    <a:schemeClr val="bg1"/>
+                  </a:gs>
+                </a:gsLst>
+                <a:lin ang="5400000" scaled="0"/>
+              </a:gradFill>
+              <a:latin typeface="Arial"/>
+              <a:ea typeface="Apex New Light" pitchFamily="50" charset="0"/>
+            </a:endParaRPr>
+          </a:p>
+        </p:txBody>
+      </p:sp>
+      <p:sp>
+        <p:nvSpPr>
+          <p:cNvPr id="5" name="Subtitle 2"/>
+          <p:cNvSpPr txBox="1">
+            <a:spLocks/>
+          </p:cNvSpPr>
+          <p:nvPr/>
+        </p:nvSpPr>
+        <p:spPr>
+          <a:xfrm>
+            <a:off x="3535679" y="3344778"/>
+            <a:ext cx="2528237" cy="511344"/>
+          </a:xfrm>
+          <a:prstGeom prst="rect">
+            <a:avLst/>
+          </a:prstGeom>
+        </p:spPr>
+        <p:txBody>
+          <a:bodyPr vert="horz" lIns="91440" tIns="45720" rIns="91440" bIns="45720" rtlCol="0" anchor="t">
+            <a:normAutofit/>
+          </a:bodyPr>
+          <a:lstStyle>
+            <a:lvl1pPr marL="0" indent="0" algn="ctr" defTabSz="914400" rtl="0" eaLnBrk="1" latinLnBrk="0" hangingPunct="1">
+              <a:lnSpc>
+                <a:spcPct val="90000"/>
+              </a:lnSpc>
+              <a:spcBef>
+                <a:spcPts val="1000"/>
+              </a:spcBef>
+              <a:buFont typeface="Arial" panose="020B0604020202020204" pitchFamily="34" charset="0"/>
+              <a:buNone/>
+              <a:defRPr sz="2400" kern="1200">
+                <a:solidFill>
+                  <a:schemeClr val="tx1"/>
+                </a:solidFill>
+                <a:latin typeface="+mn-lt"/>
+                <a:ea typeface="+mn-ea"/>
+                <a:cs typeface="+mn-cs"/>
+              </a:defRPr>
+            </a:lvl1pPr>
+            <a:lvl2pPr marL="457200" indent="0" algn="ctr" defTabSz="914400" rtl="0" eaLnBrk="1" latinLnBrk="0" hangingPunct="1">
+              <a:lnSpc>
+                <a:spcPct val="90000"/>
+              </a:lnSpc>
+              <a:spcBef>
+                <a:spcPts val="500"/>
+              </a:spcBef>
+              <a:buFont typeface="Arial" panose="020B0604020202020204" pitchFamily="34" charset="0"/>
+              <a:buNone/>
+              <a:defRPr sz="2000" kern="1200">
+                <a:solidFill>
+                  <a:schemeClr val="tx1"/>
+                </a:solidFill>
+                <a:latin typeface="+mn-lt"/>
+                <a:ea typeface="+mn-ea"/>
+                <a:cs typeface="+mn-cs"/>
+              </a:defRPr>
+            </a:lvl2pPr>
+            <a:lvl3pPr marL="914400" indent="0" algn="ctr" defTabSz="914400" rtl="0" eaLnBrk="1" latinLnBrk="0" hangingPunct="1">
+              <a:lnSpc>
+                <a:spcPct val="90000"/>
+              </a:lnSpc>
+              <a:spcBef>
+                <a:spcPts val="500"/>
+              </a:spcBef>
+              <a:buFont typeface="Arial" panose="020B0604020202020204" pitchFamily="34" charset="0"/>
+              <a:buNone/>
+              <a:defRPr sz="1800" kern="1200">
+                <a:solidFill>
+                  <a:schemeClr val="tx1"/>
+                </a:solidFill>
+                <a:latin typeface="+mn-lt"/>
+                <a:ea typeface="+mn-ea"/>
+                <a:cs typeface="+mn-cs"/>
+              </a:defRPr>
+            </a:lvl3pPr>
+            <a:lvl4pPr marL="1371600" indent="0" algn="ctr" defTabSz="914400" rtl="0" eaLnBrk="1" latinLnBrk="0" hangingPunct="1">
+              <a:lnSpc>
+                <a:spcPct val="90000"/>
+              </a:lnSpc>
+              <a:spcBef>
+                <a:spcPts val="500"/>
+              </a:spcBef>
+              <a:buFont typeface="Arial" panose="020B0604020202020204" pitchFamily="34" charset="0"/>
+              <a:buNone/>
+              <a:defRPr sz="1600" kern="1200">
+                <a:solidFill>
+                  <a:schemeClr val="tx1"/>
+                </a:solidFill>
+                <a:latin typeface="+mn-lt"/>
+                <a:ea typeface="+mn-ea"/>
+                <a:cs typeface="+mn-cs"/>
+              </a:defRPr>
+            </a:lvl4pPr>
+            <a:lvl5pPr marL="1828800" indent="0" algn="ctr" defTabSz="914400" rtl="0" eaLnBrk="1" latinLnBrk="0" hangingPunct="1">
+              <a:lnSpc>
+                <a:spcPct val="90000"/>
+              </a:lnSpc>
+              <a:spcBef>
+                <a:spcPts val="500"/>
+              </a:spcBef>
+              <a:buFont typeface="Arial" panose="020B0604020202020204" pitchFamily="34" charset="0"/>
+              <a:buNone/>
+              <a:defRPr sz="1600" kern="1200">
+                <a:solidFill>
+                  <a:schemeClr val="tx1"/>
+                </a:solidFill>
+                <a:latin typeface="+mn-lt"/>
+                <a:ea typeface="+mn-ea"/>
+                <a:cs typeface="+mn-cs"/>
+              </a:defRPr>
+            </a:lvl5pPr>
+            <a:lvl6pPr marL="2286000" indent="0" algn="ctr" defTabSz="914400" rtl="0" eaLnBrk="1" latinLnBrk="0" hangingPunct="1">
+              <a:lnSpc>
+                <a:spcPct val="90000"/>
+              </a:lnSpc>
+              <a:spcBef>
+                <a:spcPts val="500"/>
+              </a:spcBef>
+              <a:buFont typeface="Arial" panose="020B0604020202020204" pitchFamily="34" charset="0"/>
+              <a:buNone/>
+              <a:defRPr sz="1600" kern="1200">
+                <a:solidFill>
+                  <a:schemeClr val="tx1"/>
+                </a:solidFill>
+                <a:latin typeface="+mn-lt"/>
+                <a:ea typeface="+mn-ea"/>
+                <a:cs typeface="+mn-cs"/>
+              </a:defRPr>
+            </a:lvl6pPr>
+            <a:lvl7pPr marL="2743200" indent="0" algn="ctr" defTabSz="914400" rtl="0" eaLnBrk="1" latinLnBrk="0" hangingPunct="1">
+              <a:lnSpc>
+                <a:spcPct val="90000"/>
+              </a:lnSpc>
+              <a:spcBef>
+                <a:spcPts val="500"/>
+              </a:spcBef>
+              <a:buFont typeface="Arial" panose="020B0604020202020204" pitchFamily="34" charset="0"/>
+              <a:buNone/>
+              <a:defRPr sz="1600" kern="1200">
+                <a:solidFill>
+                  <a:schemeClr val="tx1"/>
+                </a:solidFill>
+                <a:latin typeface="+mn-lt"/>
+                <a:ea typeface="+mn-ea"/>
+                <a:cs typeface="+mn-cs"/>
+              </a:defRPr>
+            </a:lvl7pPr>
+            <a:lvl8pPr marL="3200400" indent="0" algn="ctr" defTabSz="914400" rtl="0" eaLnBrk="1" latinLnBrk="0" hangingPunct="1">
+              <a:lnSpc>
+                <a:spcPct val="90000"/>
+              </a:lnSpc>
+              <a:spcBef>
+                <a:spcPts val="500"/>
+              </a:spcBef>
+              <a:buFont typeface="Arial" panose="020B0604020202020204" pitchFamily="34" charset="0"/>
+              <a:buNone/>
+              <a:defRPr sz="1600" kern="1200">
+                <a:solidFill>
+                  <a:schemeClr val="tx1"/>
+                </a:solidFill>
+                <a:latin typeface="+mn-lt"/>
+                <a:ea typeface="+mn-ea"/>
+                <a:cs typeface="+mn-cs"/>
+              </a:defRPr>
+            </a:lvl8pPr>
+            <a:lvl9pPr marL="3657600" indent="0" algn="ctr" defTabSz="914400" rtl="0" eaLnBrk="1" latinLnBrk="0" hangingPunct="1">
+              <a:lnSpc>
+                <a:spcPct val="90000"/>
+              </a:lnSpc>
+              <a:spcBef>
+                <a:spcPts val="500"/>
+              </a:spcBef>
+              <a:buFont typeface="Arial" panose="020B0604020202020204" pitchFamily="34" charset="0"/>
+              <a:buNone/>
+              <a:defRPr sz="1600" kern="1200">
+                <a:solidFill>
+                  <a:schemeClr val="tx1"/>
+                </a:solidFill>
+                <a:latin typeface="+mn-lt"/>
+                <a:ea typeface="+mn-ea"/>
+                <a:cs typeface="+mn-cs"/>
+              </a:defRPr>
+            </a:lvl9pPr>
+          </a:lstStyle>
+          <a:p>
+            <a:pPr algn="l"/>
             <a:r>
               <a:rPr lang="en-US" dirty="0" smtClean="0"/>
-              <a:t>Original Draft</a:t>
-            </a:r>
-            <a:endParaRPr lang="en-US" dirty="0"/>
+              <a:t>Simple. Safe. Cool. </a:t>
+            </a:r>
+            <a:endParaRPr lang="en-US" sz="8000" dirty="0"/>
+          </a:p>
+        </p:txBody>
+      </p:sp>
+      <p:sp>
+        <p:nvSpPr>
+          <p:cNvPr id="6" name="Rectangle 5"/>
+          <p:cNvSpPr/>
+          <p:nvPr/>
+        </p:nvSpPr>
+        <p:spPr bwMode="blackGray">
+          <a:xfrm>
+            <a:off x="7868651" y="2316163"/>
+            <a:ext cx="1691640" cy="1688376"/>
+          </a:xfrm>
+          <a:prstGeom prst="rect">
+            <a:avLst/>
+          </a:prstGeom>
+          <a:solidFill>
+            <a:srgbClr val="FFC000"/>
+          </a:solidFill>
+          <a:ln w="9525" cap="flat" cmpd="sng" algn="ctr">
+            <a:noFill/>
+            <a:prstDash val="solid"/>
+            <a:headEnd type="none" w="med" len="med"/>
+            <a:tailEnd type="none" w="med" len="med"/>
+          </a:ln>
+          <a:effectLst/>
+        </p:spPr>
+        <p:txBody>
+          <a:bodyPr vert="horz" wrap="square" lIns="182880" tIns="243840" rIns="121920" bIns="60957" numCol="1" rtlCol="0" anchor="t" anchorCtr="0" compatLnSpc="1">
+            <a:prstTxWarp prst="textNoShape">
+              <a:avLst/>
+            </a:prstTxWarp>
+          </a:bodyPr>
+          <a:lstStyle>
+            <a:defPPr>
+              <a:defRPr lang="en-US"/>
+            </a:defPPr>
+            <a:lvl1pPr marL="0" algn="l" defTabSz="914400" rtl="0" eaLnBrk="1" latinLnBrk="0" hangingPunct="1">
+              <a:defRPr sz="1800" kern="1200">
+                <a:solidFill>
+                  <a:schemeClr val="tx1"/>
+                </a:solidFill>
+                <a:latin typeface="+mn-lt"/>
+                <a:ea typeface="+mn-ea"/>
+                <a:cs typeface="+mn-cs"/>
+              </a:defRPr>
+            </a:lvl1pPr>
+            <a:lvl2pPr marL="457200" algn="l" defTabSz="914400" rtl="0" eaLnBrk="1" latinLnBrk="0" hangingPunct="1">
+              <a:defRPr sz="1800" kern="1200">
+                <a:solidFill>
+                  <a:schemeClr val="tx1"/>
+                </a:solidFill>
+                <a:latin typeface="+mn-lt"/>
+                <a:ea typeface="+mn-ea"/>
+                <a:cs typeface="+mn-cs"/>
+              </a:defRPr>
+            </a:lvl2pPr>
+            <a:lvl3pPr marL="914400" algn="l" defTabSz="914400" rtl="0" eaLnBrk="1" latinLnBrk="0" hangingPunct="1">
+              <a:defRPr sz="1800" kern="1200">
+                <a:solidFill>
+                  <a:schemeClr val="tx1"/>
+                </a:solidFill>
+                <a:latin typeface="+mn-lt"/>
+                <a:ea typeface="+mn-ea"/>
+                <a:cs typeface="+mn-cs"/>
+              </a:defRPr>
+            </a:lvl3pPr>
+            <a:lvl4pPr marL="1371600" algn="l" defTabSz="914400" rtl="0" eaLnBrk="1" latinLnBrk="0" hangingPunct="1">
+              <a:defRPr sz="1800" kern="1200">
+                <a:solidFill>
+                  <a:schemeClr val="tx1"/>
+                </a:solidFill>
+                <a:latin typeface="+mn-lt"/>
+                <a:ea typeface="+mn-ea"/>
+                <a:cs typeface="+mn-cs"/>
+              </a:defRPr>
+            </a:lvl4pPr>
+            <a:lvl5pPr marL="1828800" algn="l" defTabSz="914400" rtl="0" eaLnBrk="1" latinLnBrk="0" hangingPunct="1">
+              <a:defRPr sz="1800" kern="1200">
+                <a:solidFill>
+                  <a:schemeClr val="tx1"/>
+                </a:solidFill>
+                <a:latin typeface="+mn-lt"/>
+                <a:ea typeface="+mn-ea"/>
+                <a:cs typeface="+mn-cs"/>
+              </a:defRPr>
+            </a:lvl5pPr>
+            <a:lvl6pPr marL="2286000" algn="l" defTabSz="914400" rtl="0" eaLnBrk="1" latinLnBrk="0" hangingPunct="1">
+              <a:defRPr sz="1800" kern="1200">
+                <a:solidFill>
+                  <a:schemeClr val="tx1"/>
+                </a:solidFill>
+                <a:latin typeface="+mn-lt"/>
+                <a:ea typeface="+mn-ea"/>
+                <a:cs typeface="+mn-cs"/>
+              </a:defRPr>
+            </a:lvl6pPr>
+            <a:lvl7pPr marL="2743200" algn="l" defTabSz="914400" rtl="0" eaLnBrk="1" latinLnBrk="0" hangingPunct="1">
+              <a:defRPr sz="1800" kern="1200">
+                <a:solidFill>
+                  <a:schemeClr val="tx1"/>
+                </a:solidFill>
+                <a:latin typeface="+mn-lt"/>
+                <a:ea typeface="+mn-ea"/>
+                <a:cs typeface="+mn-cs"/>
+              </a:defRPr>
+            </a:lvl7pPr>
+            <a:lvl8pPr marL="3200400" algn="l" defTabSz="914400" rtl="0" eaLnBrk="1" latinLnBrk="0" hangingPunct="1">
+              <a:defRPr sz="1800" kern="1200">
+                <a:solidFill>
+                  <a:schemeClr val="tx1"/>
+                </a:solidFill>
+                <a:latin typeface="+mn-lt"/>
+                <a:ea typeface="+mn-ea"/>
+                <a:cs typeface="+mn-cs"/>
+              </a:defRPr>
+            </a:lvl8pPr>
+            <a:lvl9pPr marL="3657600" algn="l" defTabSz="914400" rtl="0" eaLnBrk="1" latinLnBrk="0" hangingPunct="1">
+              <a:defRPr sz="1800" kern="1200">
+                <a:solidFill>
+                  <a:schemeClr val="tx1"/>
+                </a:solidFill>
+                <a:latin typeface="+mn-lt"/>
+                <a:ea typeface="+mn-ea"/>
+                <a:cs typeface="+mn-cs"/>
+              </a:defRPr>
+            </a:lvl9pPr>
+          </a:lstStyle>
+          <a:p>
+            <a:pPr defTabSz="1219120">
+              <a:lnSpc>
+                <a:spcPct val="90000"/>
+              </a:lnSpc>
+            </a:pPr>
+            <a:endParaRPr lang="en-US" sz="2000" kern="0" dirty="0">
+              <a:gradFill>
+                <a:gsLst>
+                  <a:gs pos="0">
+                    <a:schemeClr val="bg1"/>
+                  </a:gs>
+                  <a:gs pos="100000">
+                    <a:schemeClr val="bg1"/>
+                  </a:gs>
+                </a:gsLst>
+                <a:lin ang="5400000" scaled="0"/>
+              </a:gradFill>
+              <a:latin typeface="Arial"/>
+              <a:ea typeface="Apex New Light" pitchFamily="50" charset="0"/>
+            </a:endParaRPr>
           </a:p>
         </p:txBody>
       </p:sp>
@@ -4593,56 +5229,134 @@
             <p:ph type="title"/>
           </p:nvPr>
         </p:nvSpPr>
-        <p:spPr/>
-        <p:txBody>
-          <a:bodyPr/>
-          <a:lstStyle/>
-          <a:p>
-            <a:r>
-              <a:rPr lang="en-US" smtClean="0"/>
-              <a:t>Problem Statement</a:t>
-            </a:r>
-            <a:endParaRPr lang="en-US" dirty="0"/>
-          </a:p>
-        </p:txBody>
-      </p:sp>
-      <p:sp>
-        <p:nvSpPr>
-          <p:cNvPr id="10" name="Text Placeholder 9"/>
-          <p:cNvSpPr>
-            <a:spLocks noGrp="1"/>
-          </p:cNvSpPr>
-          <p:nvPr>
-            <p:ph idx="1"/>
-          </p:nvPr>
-        </p:nvSpPr>
         <p:spPr>
           <a:xfrm>
-            <a:off x="539751" y="1645921"/>
-            <a:ext cx="11119104" cy="3069559"/>
+            <a:off x="2622882" y="365125"/>
+            <a:ext cx="8730917" cy="1325563"/>
           </a:xfrm>
         </p:spPr>
         <p:txBody>
           <a:bodyPr>
-            <a:normAutofit fontScale="92500" lnSpcReduction="10000"/>
+            <a:normAutofit/>
           </a:bodyPr>
           <a:lstStyle/>
           <a:p>
             <a:r>
+              <a:rPr lang="en-US" sz="4000" dirty="0" smtClean="0"/>
+              <a:t>Today’s Payment Methodologies: Insecure and Costly</a:t>
+            </a:r>
+            <a:endParaRPr lang="en-US" sz="4000" dirty="0"/>
+          </a:p>
+        </p:txBody>
+      </p:sp>
+      <p:sp>
+        <p:nvSpPr>
+          <p:cNvPr id="10" name="Text Placeholder 9"/>
+          <p:cNvSpPr>
+            <a:spLocks noGrp="1"/>
+          </p:cNvSpPr>
+          <p:nvPr>
+            <p:ph idx="1"/>
+          </p:nvPr>
+        </p:nvSpPr>
+        <p:spPr>
+          <a:xfrm>
+            <a:off x="2622883" y="1645921"/>
+            <a:ext cx="9035971" cy="3069559"/>
+          </a:xfrm>
+        </p:spPr>
+        <p:txBody>
+          <a:bodyPr>
+            <a:normAutofit fontScale="92500" lnSpcReduction="20000"/>
+          </a:bodyPr>
+          <a:lstStyle/>
+          <a:p>
+            <a:pPr>
+              <a:spcBef>
+                <a:spcPts val="0"/>
+              </a:spcBef>
+              <a:spcAft>
+                <a:spcPts val="1200"/>
+              </a:spcAft>
+            </a:pPr>
+            <a:r>
               <a:rPr lang="en-US" dirty="0" smtClean="0"/>
-              <a:t>Simply put, our current methods for performing financial transactions are highly prone to security vulnerabilities.  </a:t>
-            </a:r>
-          </a:p>
-          <a:p>
+              <a:t>Current methods </a:t>
+            </a:r>
             <a:r>
               <a:rPr lang="en-US" dirty="0" smtClean="0"/>
-              <a:t>The data about our credit, debit, and any other relevant account information is being stored anywhere and everywhere when we preform a non-cash transaction.</a:t>
-            </a:r>
-          </a:p>
-          <a:p>
+              <a:t>for performing financial transactions are highly prone to security vulnerabilities.  </a:t>
+            </a:r>
+          </a:p>
+          <a:p>
+            <a:pPr>
+              <a:spcBef>
+                <a:spcPts val="0"/>
+              </a:spcBef>
+              <a:spcAft>
+                <a:spcPts val="1200"/>
+              </a:spcAft>
+            </a:pPr>
             <a:r>
               <a:rPr lang="en-US" dirty="0" smtClean="0"/>
-              <a:t>Not only can the information about one credit card lead to identity theft the Federal Trade Commission says identity theft is the No. 1 complaint it gets from consumers every year.</a:t>
+              <a:t>Credit, </a:t>
+            </a:r>
+            <a:r>
+              <a:rPr lang="en-US" dirty="0" smtClean="0"/>
+              <a:t>debit, and any other relevant account </a:t>
+            </a:r>
+            <a:r>
+              <a:rPr lang="en-US" dirty="0" smtClean="0"/>
+              <a:t>data is </a:t>
+            </a:r>
+            <a:r>
+              <a:rPr lang="en-US" dirty="0" smtClean="0"/>
+              <a:t>being stored anywhere and everywhere when </a:t>
+            </a:r>
+            <a:r>
+              <a:rPr lang="en-US" dirty="0" smtClean="0"/>
+              <a:t>a </a:t>
+            </a:r>
+            <a:r>
+              <a:rPr lang="en-US" dirty="0" smtClean="0"/>
+              <a:t>non-cash </a:t>
+            </a:r>
+            <a:r>
+              <a:rPr lang="en-US" dirty="0" smtClean="0"/>
+              <a:t>transaction is performed.</a:t>
+            </a:r>
+          </a:p>
+          <a:p>
+            <a:pPr>
+              <a:spcBef>
+                <a:spcPts val="0"/>
+              </a:spcBef>
+              <a:spcAft>
+                <a:spcPts val="1200"/>
+              </a:spcAft>
+            </a:pPr>
+            <a:r>
+              <a:rPr lang="en-US" dirty="0" smtClean="0"/>
+              <a:t>Stolen credit card data can lead to financial loss, identity theft and other criminal activity</a:t>
+            </a:r>
+            <a:endParaRPr lang="en-US" dirty="0" smtClean="0"/>
+          </a:p>
+          <a:p>
+            <a:pPr>
+              <a:spcBef>
+                <a:spcPts val="0"/>
+              </a:spcBef>
+              <a:spcAft>
+                <a:spcPts val="1200"/>
+              </a:spcAft>
+            </a:pPr>
+            <a:r>
+              <a:rPr lang="en-US" dirty="0" smtClean="0"/>
+              <a:t>Federal </a:t>
+            </a:r>
+            <a:r>
+              <a:rPr lang="en-US" dirty="0" smtClean="0"/>
+              <a:t>Trade Commission says identity theft is the No. 1 complaint it gets from consumers every year.</a:t>
             </a:r>
           </a:p>
         </p:txBody>
@@ -4668,6 +5382,306 @@
               <a:t>2</a:t>
             </a:fld>
             <a:endParaRPr lang="en-US" dirty="0"/>
+          </a:p>
+        </p:txBody>
+      </p:sp>
+      <p:sp>
+        <p:nvSpPr>
+          <p:cNvPr id="5" name="Rectangle 4"/>
+          <p:cNvSpPr/>
+          <p:nvPr/>
+        </p:nvSpPr>
+        <p:spPr bwMode="blackGray">
+          <a:xfrm>
+            <a:off x="450345" y="0"/>
+            <a:ext cx="2011680" cy="6122314"/>
+          </a:xfrm>
+          <a:prstGeom prst="rect">
+            <a:avLst/>
+          </a:prstGeom>
+          <a:solidFill>
+            <a:srgbClr val="8DC63F"/>
+          </a:solidFill>
+          <a:ln w="9525" cap="flat" cmpd="sng" algn="ctr">
+            <a:noFill/>
+            <a:prstDash val="solid"/>
+            <a:headEnd type="none" w="med" len="med"/>
+            <a:tailEnd type="none" w="med" len="med"/>
+          </a:ln>
+          <a:effectLst/>
+        </p:spPr>
+        <p:txBody>
+          <a:bodyPr vert="horz" wrap="square" lIns="182880" tIns="243840" rIns="121920" bIns="60957" numCol="1" rtlCol="0" anchor="t" anchorCtr="0" compatLnSpc="1">
+            <a:prstTxWarp prst="textNoShape">
+              <a:avLst/>
+            </a:prstTxWarp>
+          </a:bodyPr>
+          <a:lstStyle>
+            <a:defPPr>
+              <a:defRPr lang="en-US"/>
+            </a:defPPr>
+            <a:lvl1pPr marL="0" algn="l" defTabSz="914400" rtl="0" eaLnBrk="1" latinLnBrk="0" hangingPunct="1">
+              <a:defRPr sz="1800" kern="1200">
+                <a:solidFill>
+                  <a:schemeClr val="tx1"/>
+                </a:solidFill>
+                <a:latin typeface="+mn-lt"/>
+                <a:ea typeface="+mn-ea"/>
+                <a:cs typeface="+mn-cs"/>
+              </a:defRPr>
+            </a:lvl1pPr>
+            <a:lvl2pPr marL="457200" algn="l" defTabSz="914400" rtl="0" eaLnBrk="1" latinLnBrk="0" hangingPunct="1">
+              <a:defRPr sz="1800" kern="1200">
+                <a:solidFill>
+                  <a:schemeClr val="tx1"/>
+                </a:solidFill>
+                <a:latin typeface="+mn-lt"/>
+                <a:ea typeface="+mn-ea"/>
+                <a:cs typeface="+mn-cs"/>
+              </a:defRPr>
+            </a:lvl2pPr>
+            <a:lvl3pPr marL="914400" algn="l" defTabSz="914400" rtl="0" eaLnBrk="1" latinLnBrk="0" hangingPunct="1">
+              <a:defRPr sz="1800" kern="1200">
+                <a:solidFill>
+                  <a:schemeClr val="tx1"/>
+                </a:solidFill>
+                <a:latin typeface="+mn-lt"/>
+                <a:ea typeface="+mn-ea"/>
+                <a:cs typeface="+mn-cs"/>
+              </a:defRPr>
+            </a:lvl3pPr>
+            <a:lvl4pPr marL="1371600" algn="l" defTabSz="914400" rtl="0" eaLnBrk="1" latinLnBrk="0" hangingPunct="1">
+              <a:defRPr sz="1800" kern="1200">
+                <a:solidFill>
+                  <a:schemeClr val="tx1"/>
+                </a:solidFill>
+                <a:latin typeface="+mn-lt"/>
+                <a:ea typeface="+mn-ea"/>
+                <a:cs typeface="+mn-cs"/>
+              </a:defRPr>
+            </a:lvl4pPr>
+            <a:lvl5pPr marL="1828800" algn="l" defTabSz="914400" rtl="0" eaLnBrk="1" latinLnBrk="0" hangingPunct="1">
+              <a:defRPr sz="1800" kern="1200">
+                <a:solidFill>
+                  <a:schemeClr val="tx1"/>
+                </a:solidFill>
+                <a:latin typeface="+mn-lt"/>
+                <a:ea typeface="+mn-ea"/>
+                <a:cs typeface="+mn-cs"/>
+              </a:defRPr>
+            </a:lvl5pPr>
+            <a:lvl6pPr marL="2286000" algn="l" defTabSz="914400" rtl="0" eaLnBrk="1" latinLnBrk="0" hangingPunct="1">
+              <a:defRPr sz="1800" kern="1200">
+                <a:solidFill>
+                  <a:schemeClr val="tx1"/>
+                </a:solidFill>
+                <a:latin typeface="+mn-lt"/>
+                <a:ea typeface="+mn-ea"/>
+                <a:cs typeface="+mn-cs"/>
+              </a:defRPr>
+            </a:lvl6pPr>
+            <a:lvl7pPr marL="2743200" algn="l" defTabSz="914400" rtl="0" eaLnBrk="1" latinLnBrk="0" hangingPunct="1">
+              <a:defRPr sz="1800" kern="1200">
+                <a:solidFill>
+                  <a:schemeClr val="tx1"/>
+                </a:solidFill>
+                <a:latin typeface="+mn-lt"/>
+                <a:ea typeface="+mn-ea"/>
+                <a:cs typeface="+mn-cs"/>
+              </a:defRPr>
+            </a:lvl7pPr>
+            <a:lvl8pPr marL="3200400" algn="l" defTabSz="914400" rtl="0" eaLnBrk="1" latinLnBrk="0" hangingPunct="1">
+              <a:defRPr sz="1800" kern="1200">
+                <a:solidFill>
+                  <a:schemeClr val="tx1"/>
+                </a:solidFill>
+                <a:latin typeface="+mn-lt"/>
+                <a:ea typeface="+mn-ea"/>
+                <a:cs typeface="+mn-cs"/>
+              </a:defRPr>
+            </a:lvl8pPr>
+            <a:lvl9pPr marL="3657600" algn="l" defTabSz="914400" rtl="0" eaLnBrk="1" latinLnBrk="0" hangingPunct="1">
+              <a:defRPr sz="1800" kern="1200">
+                <a:solidFill>
+                  <a:schemeClr val="tx1"/>
+                </a:solidFill>
+                <a:latin typeface="+mn-lt"/>
+                <a:ea typeface="+mn-ea"/>
+                <a:cs typeface="+mn-cs"/>
+              </a:defRPr>
+            </a:lvl9pPr>
+          </a:lstStyle>
+          <a:p>
+            <a:pPr defTabSz="1219120">
+              <a:lnSpc>
+                <a:spcPct val="90000"/>
+              </a:lnSpc>
+            </a:pPr>
+            <a:endParaRPr lang="en-US" sz="2000" kern="0" dirty="0">
+              <a:gradFill>
+                <a:gsLst>
+                  <a:gs pos="0">
+                    <a:schemeClr val="bg1"/>
+                  </a:gs>
+                  <a:gs pos="100000">
+                    <a:schemeClr val="bg1"/>
+                  </a:gs>
+                </a:gsLst>
+                <a:lin ang="5400000" scaled="0"/>
+              </a:gradFill>
+              <a:latin typeface="Arial"/>
+              <a:ea typeface="Apex New Light" pitchFamily="50" charset="0"/>
+            </a:endParaRPr>
+          </a:p>
+        </p:txBody>
+      </p:sp>
+      <p:sp>
+        <p:nvSpPr>
+          <p:cNvPr id="6" name="Rectangle 5"/>
+          <p:cNvSpPr/>
+          <p:nvPr/>
+        </p:nvSpPr>
+        <p:spPr bwMode="blackGray">
+          <a:xfrm>
+            <a:off x="10936704" y="5552574"/>
+            <a:ext cx="1255295" cy="1287890"/>
+          </a:xfrm>
+          <a:prstGeom prst="rect">
+            <a:avLst/>
+          </a:prstGeom>
+          <a:solidFill>
+            <a:srgbClr val="FFC000"/>
+          </a:solidFill>
+          <a:ln w="9525" cap="flat" cmpd="sng" algn="ctr">
+            <a:noFill/>
+            <a:prstDash val="solid"/>
+            <a:headEnd type="none" w="med" len="med"/>
+            <a:tailEnd type="none" w="med" len="med"/>
+          </a:ln>
+          <a:effectLst/>
+        </p:spPr>
+        <p:txBody>
+          <a:bodyPr vert="horz" wrap="square" lIns="182880" tIns="243840" rIns="121920" bIns="60957" numCol="1" rtlCol="0" anchor="t" anchorCtr="0" compatLnSpc="1">
+            <a:prstTxWarp prst="textNoShape">
+              <a:avLst/>
+            </a:prstTxWarp>
+          </a:bodyPr>
+          <a:lstStyle>
+            <a:defPPr>
+              <a:defRPr lang="en-US"/>
+            </a:defPPr>
+            <a:lvl1pPr marL="0" algn="l" defTabSz="914400" rtl="0" eaLnBrk="1" latinLnBrk="0" hangingPunct="1">
+              <a:defRPr sz="1800" kern="1200">
+                <a:solidFill>
+                  <a:schemeClr val="tx1"/>
+                </a:solidFill>
+                <a:latin typeface="+mn-lt"/>
+                <a:ea typeface="+mn-ea"/>
+                <a:cs typeface="+mn-cs"/>
+              </a:defRPr>
+            </a:lvl1pPr>
+            <a:lvl2pPr marL="457200" algn="l" defTabSz="914400" rtl="0" eaLnBrk="1" latinLnBrk="0" hangingPunct="1">
+              <a:defRPr sz="1800" kern="1200">
+                <a:solidFill>
+                  <a:schemeClr val="tx1"/>
+                </a:solidFill>
+                <a:latin typeface="+mn-lt"/>
+                <a:ea typeface="+mn-ea"/>
+                <a:cs typeface="+mn-cs"/>
+              </a:defRPr>
+            </a:lvl2pPr>
+            <a:lvl3pPr marL="914400" algn="l" defTabSz="914400" rtl="0" eaLnBrk="1" latinLnBrk="0" hangingPunct="1">
+              <a:defRPr sz="1800" kern="1200">
+                <a:solidFill>
+                  <a:schemeClr val="tx1"/>
+                </a:solidFill>
+                <a:latin typeface="+mn-lt"/>
+                <a:ea typeface="+mn-ea"/>
+                <a:cs typeface="+mn-cs"/>
+              </a:defRPr>
+            </a:lvl3pPr>
+            <a:lvl4pPr marL="1371600" algn="l" defTabSz="914400" rtl="0" eaLnBrk="1" latinLnBrk="0" hangingPunct="1">
+              <a:defRPr sz="1800" kern="1200">
+                <a:solidFill>
+                  <a:schemeClr val="tx1"/>
+                </a:solidFill>
+                <a:latin typeface="+mn-lt"/>
+                <a:ea typeface="+mn-ea"/>
+                <a:cs typeface="+mn-cs"/>
+              </a:defRPr>
+            </a:lvl4pPr>
+            <a:lvl5pPr marL="1828800" algn="l" defTabSz="914400" rtl="0" eaLnBrk="1" latinLnBrk="0" hangingPunct="1">
+              <a:defRPr sz="1800" kern="1200">
+                <a:solidFill>
+                  <a:schemeClr val="tx1"/>
+                </a:solidFill>
+                <a:latin typeface="+mn-lt"/>
+                <a:ea typeface="+mn-ea"/>
+                <a:cs typeface="+mn-cs"/>
+              </a:defRPr>
+            </a:lvl5pPr>
+            <a:lvl6pPr marL="2286000" algn="l" defTabSz="914400" rtl="0" eaLnBrk="1" latinLnBrk="0" hangingPunct="1">
+              <a:defRPr sz="1800" kern="1200">
+                <a:solidFill>
+                  <a:schemeClr val="tx1"/>
+                </a:solidFill>
+                <a:latin typeface="+mn-lt"/>
+                <a:ea typeface="+mn-ea"/>
+                <a:cs typeface="+mn-cs"/>
+              </a:defRPr>
+            </a:lvl6pPr>
+            <a:lvl7pPr marL="2743200" algn="l" defTabSz="914400" rtl="0" eaLnBrk="1" latinLnBrk="0" hangingPunct="1">
+              <a:defRPr sz="1800" kern="1200">
+                <a:solidFill>
+                  <a:schemeClr val="tx1"/>
+                </a:solidFill>
+                <a:latin typeface="+mn-lt"/>
+                <a:ea typeface="+mn-ea"/>
+                <a:cs typeface="+mn-cs"/>
+              </a:defRPr>
+            </a:lvl7pPr>
+            <a:lvl8pPr marL="3200400" algn="l" defTabSz="914400" rtl="0" eaLnBrk="1" latinLnBrk="0" hangingPunct="1">
+              <a:defRPr sz="1800" kern="1200">
+                <a:solidFill>
+                  <a:schemeClr val="tx1"/>
+                </a:solidFill>
+                <a:latin typeface="+mn-lt"/>
+                <a:ea typeface="+mn-ea"/>
+                <a:cs typeface="+mn-cs"/>
+              </a:defRPr>
+            </a:lvl8pPr>
+            <a:lvl9pPr marL="3657600" algn="l" defTabSz="914400" rtl="0" eaLnBrk="1" latinLnBrk="0" hangingPunct="1">
+              <a:defRPr sz="1800" kern="1200">
+                <a:solidFill>
+                  <a:schemeClr val="tx1"/>
+                </a:solidFill>
+                <a:latin typeface="+mn-lt"/>
+                <a:ea typeface="+mn-ea"/>
+                <a:cs typeface="+mn-cs"/>
+              </a:defRPr>
+            </a:lvl9pPr>
+          </a:lstStyle>
+          <a:p>
+            <a:pPr defTabSz="1219120">
+              <a:lnSpc>
+                <a:spcPct val="90000"/>
+              </a:lnSpc>
+            </a:pPr>
+            <a:endParaRPr lang="en-US" sz="2000" kern="0" dirty="0">
+              <a:gradFill>
+                <a:gsLst>
+                  <a:gs pos="0">
+                    <a:schemeClr val="bg1"/>
+                  </a:gs>
+                  <a:gs pos="100000">
+                    <a:schemeClr val="bg1"/>
+                  </a:gs>
+                </a:gsLst>
+                <a:lin ang="5400000" scaled="0"/>
+              </a:gradFill>
+              <a:latin typeface="Arial"/>
+              <a:ea typeface="Apex New Light" pitchFamily="50" charset="0"/>
+            </a:endParaRPr>
           </a:p>
         </p:txBody>
       </p:sp>
@@ -4681,13 +5695,13 @@
   <p:clrMapOvr>
     <a:masterClrMapping/>
   </p:clrMapOvr>
-  <mc:AlternateContent xmlns:mc="http://schemas.openxmlformats.org/markup-compatibility/2006">
-    <mc:Choice xmlns:p14="http://schemas.microsoft.com/office/powerpoint/2010/main" Requires="p14">
+  <mc:AlternateContent xmlns:mc="http://schemas.openxmlformats.org/markup-compatibility/2006" xmlns:p14="http://schemas.microsoft.com/office/powerpoint/2010/main">
+    <mc:Choice Requires="p14">
       <p:transition spd="med" p14:dur="700">
         <p:fade/>
       </p:transition>
     </mc:Choice>
-    <mc:Fallback>
+    <mc:Fallback xmlns="">
       <p:transition spd="med">
         <p:fade/>
       </p:transition>
@@ -4730,38 +5744,51 @@
             <p:ph type="title"/>
           </p:nvPr>
         </p:nvSpPr>
-        <p:spPr/>
-        <p:txBody>
-          <a:bodyPr/>
-          <a:lstStyle/>
-          <a:p>
-            <a:r>
-              <a:rPr lang="en-US" dirty="0" smtClean="0"/>
-              <a:t>What is the Solution?</a:t>
-            </a:r>
-            <a:endParaRPr lang="en-US" dirty="0"/>
-          </a:p>
-        </p:txBody>
-      </p:sp>
-      <p:sp>
-        <p:nvSpPr>
-          <p:cNvPr id="4" name="Text Placeholder 3"/>
-          <p:cNvSpPr>
-            <a:spLocks noGrp="1"/>
-          </p:cNvSpPr>
-          <p:nvPr>
-            <p:ph idx="1"/>
-          </p:nvPr>
-        </p:nvSpPr>
         <p:spPr>
           <a:xfrm>
-            <a:off x="539751" y="1645921"/>
-            <a:ext cx="11119104" cy="4431983"/>
+            <a:off x="2683040" y="365125"/>
+            <a:ext cx="8670759" cy="1325563"/>
           </a:xfrm>
         </p:spPr>
         <p:txBody>
+          <a:bodyPr/>
+          <a:lstStyle/>
+          <a:p>
+            <a:r>
+              <a:rPr lang="en-US" dirty="0" smtClean="0"/>
+              <a:t>Solution: A </a:t>
+            </a:r>
+            <a:r>
+              <a:rPr lang="en-US" dirty="0" smtClean="0"/>
+              <a:t>“Token” </a:t>
+            </a:r>
+            <a:r>
+              <a:rPr lang="en-US" dirty="0" smtClean="0"/>
+              <a:t>Perspective</a:t>
+            </a:r>
+            <a:endParaRPr lang="en-US" dirty="0"/>
+          </a:p>
+        </p:txBody>
+      </p:sp>
+      <p:sp>
+        <p:nvSpPr>
+          <p:cNvPr id="4" name="Text Placeholder 3"/>
+          <p:cNvSpPr>
+            <a:spLocks noGrp="1"/>
+          </p:cNvSpPr>
+          <p:nvPr>
+            <p:ph idx="1"/>
+          </p:nvPr>
+        </p:nvSpPr>
+        <p:spPr>
+          <a:xfrm>
+            <a:off x="2683041" y="1423339"/>
+            <a:ext cx="9372601" cy="4431983"/>
+          </a:xfrm>
+        </p:spPr>
+        <p:txBody>
           <a:bodyPr>
-            <a:normAutofit fontScale="92500"/>
+            <a:normAutofit fontScale="85000" lnSpcReduction="10000"/>
           </a:bodyPr>
           <a:lstStyle/>
           <a:p>
@@ -4772,59 +5799,62 @@
           </a:p>
           <a:p>
             <a:r>
+              <a:rPr lang="en-US" dirty="0"/>
+              <a:t>U</a:t>
+            </a:r>
+            <a:r>
               <a:rPr lang="en-US" dirty="0" smtClean="0"/>
-              <a:t>By using tokens:</a:t>
+              <a:t>sing </a:t>
+            </a:r>
+            <a:r>
+              <a:rPr lang="en-US" dirty="0" smtClean="0"/>
+              <a:t>tokens:</a:t>
             </a:r>
           </a:p>
           <a:p>
             <a:pPr lvl="1"/>
             <a:r>
               <a:rPr lang="en-US" dirty="0" smtClean="0"/>
-              <a:t>Physical cards as a method of payment would no longer be used.</a:t>
+              <a:t>Eliminates the need for Physical </a:t>
+            </a:r>
+            <a:r>
+              <a:rPr lang="en-US" dirty="0" smtClean="0"/>
+              <a:t>cards as a method of </a:t>
+            </a:r>
+            <a:r>
+              <a:rPr lang="en-US" dirty="0" smtClean="0"/>
+              <a:t>payment</a:t>
             </a:r>
           </a:p>
           <a:p>
             <a:pPr lvl="1"/>
             <a:r>
               <a:rPr lang="en-US" dirty="0" smtClean="0"/>
-              <a:t>Consumers </a:t>
+              <a:t>Reduces the amount of information (including account numbers) that consumers would be required to perform a transaction.</a:t>
+            </a:r>
+          </a:p>
+          <a:p>
+            <a:r>
+              <a:rPr lang="en-US" dirty="0" smtClean="0"/>
+              <a:t>Merchants would be required to secure handle account numbers and other PII information to receive payment.</a:t>
+            </a:r>
+          </a:p>
+          <a:p>
+            <a:r>
+              <a:rPr lang="en-US" dirty="0" smtClean="0"/>
+              <a:t>Others companies are </a:t>
+            </a:r>
+            <a:r>
+              <a:rPr lang="en-US" dirty="0" smtClean="0"/>
+              <a:t>working on this problem, </a:t>
+            </a:r>
+            <a:r>
+              <a:rPr lang="en-US" dirty="0" smtClean="0"/>
+              <a:t>including a proposed global standard by </a:t>
             </a:r>
             <a:r>
               <a:rPr lang="en-US" dirty="0"/>
-              <a:t>will no longer be </a:t>
-            </a:r>
-            <a:r>
-              <a:rPr lang="en-US" dirty="0" smtClean="0"/>
-              <a:t>required to provide account numbers (and other relevant information) to perform a transaction.</a:t>
-            </a:r>
-          </a:p>
-          <a:p>
-            <a:pPr lvl="1"/>
-            <a:r>
-              <a:rPr lang="en-US" dirty="0"/>
-              <a:t>M</a:t>
-            </a:r>
-            <a:r>
-              <a:rPr lang="en-US" dirty="0" smtClean="0"/>
-              <a:t>erchants to store </a:t>
-            </a:r>
-            <a:r>
-              <a:rPr lang="en-US" dirty="0"/>
-              <a:t>account </a:t>
-            </a:r>
-            <a:r>
-              <a:rPr lang="en-US" dirty="0" smtClean="0"/>
-              <a:t>numbers and other PII information to receive payment.</a:t>
-            </a:r>
-          </a:p>
-          <a:p>
-            <a:r>
-              <a:rPr lang="en-US" dirty="0" smtClean="0"/>
-              <a:t>Others are working on this problem, in fact a global standard has been proposed </a:t>
-            </a:r>
-            <a:r>
-              <a:rPr lang="en-US" dirty="0"/>
-              <a:t>by MasterCard, Visa and American </a:t>
+              <a:t>MasterCard, Visa and American </a:t>
             </a:r>
             <a:r>
               <a:rPr lang="en-US" dirty="0" smtClean="0"/>
@@ -4834,7 +5864,31 @@
           <a:p>
             <a:r>
               <a:rPr lang="en-US" dirty="0" smtClean="0"/>
-              <a:t>However, the concern is that other efforts will not go far enough in protecting a user’s PII data and the standards used might be controlled by a select few organization’s.</a:t>
+              <a:t>A large concern </a:t>
+            </a:r>
+            <a:r>
+              <a:rPr lang="en-US" dirty="0" smtClean="0"/>
+              <a:t>is that </a:t>
+            </a:r>
+            <a:r>
+              <a:rPr lang="en-US" dirty="0" smtClean="0"/>
+              <a:t>existing efforts </a:t>
+            </a:r>
+            <a:r>
+              <a:rPr lang="en-US" dirty="0" smtClean="0"/>
+              <a:t>will not go far enough in protecting a user’s PII data and the </a:t>
+            </a:r>
+            <a:r>
+              <a:rPr lang="en-US" dirty="0" smtClean="0"/>
+              <a:t>standard would be </a:t>
+            </a:r>
+            <a:r>
+              <a:rPr lang="en-US" dirty="0" smtClean="0"/>
+              <a:t>controlled by a </a:t>
+            </a:r>
+            <a:r>
+              <a:rPr lang="en-US" dirty="0" smtClean="0"/>
+              <a:t>larger players in the market. </a:t>
             </a:r>
             <a:endParaRPr lang="en-US" dirty="0"/>
           </a:p>
@@ -4860,6 +5914,306 @@
               <a:t>3</a:t>
             </a:fld>
             <a:endParaRPr lang="en-US" dirty="0"/>
+          </a:p>
+        </p:txBody>
+      </p:sp>
+      <p:sp>
+        <p:nvSpPr>
+          <p:cNvPr id="5" name="Rectangle 4"/>
+          <p:cNvSpPr/>
+          <p:nvPr/>
+        </p:nvSpPr>
+        <p:spPr bwMode="blackGray">
+          <a:xfrm>
+            <a:off x="450345" y="0"/>
+            <a:ext cx="2011680" cy="6122314"/>
+          </a:xfrm>
+          <a:prstGeom prst="rect">
+            <a:avLst/>
+          </a:prstGeom>
+          <a:solidFill>
+            <a:srgbClr val="8DC63F"/>
+          </a:solidFill>
+          <a:ln w="9525" cap="flat" cmpd="sng" algn="ctr">
+            <a:noFill/>
+            <a:prstDash val="solid"/>
+            <a:headEnd type="none" w="med" len="med"/>
+            <a:tailEnd type="none" w="med" len="med"/>
+          </a:ln>
+          <a:effectLst/>
+        </p:spPr>
+        <p:txBody>
+          <a:bodyPr vert="horz" wrap="square" lIns="182880" tIns="243840" rIns="121920" bIns="60957" numCol="1" rtlCol="0" anchor="t" anchorCtr="0" compatLnSpc="1">
+            <a:prstTxWarp prst="textNoShape">
+              <a:avLst/>
+            </a:prstTxWarp>
+          </a:bodyPr>
+          <a:lstStyle>
+            <a:defPPr>
+              <a:defRPr lang="en-US"/>
+            </a:defPPr>
+            <a:lvl1pPr marL="0" algn="l" defTabSz="914400" rtl="0" eaLnBrk="1" latinLnBrk="0" hangingPunct="1">
+              <a:defRPr sz="1800" kern="1200">
+                <a:solidFill>
+                  <a:schemeClr val="tx1"/>
+                </a:solidFill>
+                <a:latin typeface="+mn-lt"/>
+                <a:ea typeface="+mn-ea"/>
+                <a:cs typeface="+mn-cs"/>
+              </a:defRPr>
+            </a:lvl1pPr>
+            <a:lvl2pPr marL="457200" algn="l" defTabSz="914400" rtl="0" eaLnBrk="1" latinLnBrk="0" hangingPunct="1">
+              <a:defRPr sz="1800" kern="1200">
+                <a:solidFill>
+                  <a:schemeClr val="tx1"/>
+                </a:solidFill>
+                <a:latin typeface="+mn-lt"/>
+                <a:ea typeface="+mn-ea"/>
+                <a:cs typeface="+mn-cs"/>
+              </a:defRPr>
+            </a:lvl2pPr>
+            <a:lvl3pPr marL="914400" algn="l" defTabSz="914400" rtl="0" eaLnBrk="1" latinLnBrk="0" hangingPunct="1">
+              <a:defRPr sz="1800" kern="1200">
+                <a:solidFill>
+                  <a:schemeClr val="tx1"/>
+                </a:solidFill>
+                <a:latin typeface="+mn-lt"/>
+                <a:ea typeface="+mn-ea"/>
+                <a:cs typeface="+mn-cs"/>
+              </a:defRPr>
+            </a:lvl3pPr>
+            <a:lvl4pPr marL="1371600" algn="l" defTabSz="914400" rtl="0" eaLnBrk="1" latinLnBrk="0" hangingPunct="1">
+              <a:defRPr sz="1800" kern="1200">
+                <a:solidFill>
+                  <a:schemeClr val="tx1"/>
+                </a:solidFill>
+                <a:latin typeface="+mn-lt"/>
+                <a:ea typeface="+mn-ea"/>
+                <a:cs typeface="+mn-cs"/>
+              </a:defRPr>
+            </a:lvl4pPr>
+            <a:lvl5pPr marL="1828800" algn="l" defTabSz="914400" rtl="0" eaLnBrk="1" latinLnBrk="0" hangingPunct="1">
+              <a:defRPr sz="1800" kern="1200">
+                <a:solidFill>
+                  <a:schemeClr val="tx1"/>
+                </a:solidFill>
+                <a:latin typeface="+mn-lt"/>
+                <a:ea typeface="+mn-ea"/>
+                <a:cs typeface="+mn-cs"/>
+              </a:defRPr>
+            </a:lvl5pPr>
+            <a:lvl6pPr marL="2286000" algn="l" defTabSz="914400" rtl="0" eaLnBrk="1" latinLnBrk="0" hangingPunct="1">
+              <a:defRPr sz="1800" kern="1200">
+                <a:solidFill>
+                  <a:schemeClr val="tx1"/>
+                </a:solidFill>
+                <a:latin typeface="+mn-lt"/>
+                <a:ea typeface="+mn-ea"/>
+                <a:cs typeface="+mn-cs"/>
+              </a:defRPr>
+            </a:lvl6pPr>
+            <a:lvl7pPr marL="2743200" algn="l" defTabSz="914400" rtl="0" eaLnBrk="1" latinLnBrk="0" hangingPunct="1">
+              <a:defRPr sz="1800" kern="1200">
+                <a:solidFill>
+                  <a:schemeClr val="tx1"/>
+                </a:solidFill>
+                <a:latin typeface="+mn-lt"/>
+                <a:ea typeface="+mn-ea"/>
+                <a:cs typeface="+mn-cs"/>
+              </a:defRPr>
+            </a:lvl7pPr>
+            <a:lvl8pPr marL="3200400" algn="l" defTabSz="914400" rtl="0" eaLnBrk="1" latinLnBrk="0" hangingPunct="1">
+              <a:defRPr sz="1800" kern="1200">
+                <a:solidFill>
+                  <a:schemeClr val="tx1"/>
+                </a:solidFill>
+                <a:latin typeface="+mn-lt"/>
+                <a:ea typeface="+mn-ea"/>
+                <a:cs typeface="+mn-cs"/>
+              </a:defRPr>
+            </a:lvl8pPr>
+            <a:lvl9pPr marL="3657600" algn="l" defTabSz="914400" rtl="0" eaLnBrk="1" latinLnBrk="0" hangingPunct="1">
+              <a:defRPr sz="1800" kern="1200">
+                <a:solidFill>
+                  <a:schemeClr val="tx1"/>
+                </a:solidFill>
+                <a:latin typeface="+mn-lt"/>
+                <a:ea typeface="+mn-ea"/>
+                <a:cs typeface="+mn-cs"/>
+              </a:defRPr>
+            </a:lvl9pPr>
+          </a:lstStyle>
+          <a:p>
+            <a:pPr defTabSz="1219120">
+              <a:lnSpc>
+                <a:spcPct val="90000"/>
+              </a:lnSpc>
+            </a:pPr>
+            <a:endParaRPr lang="en-US" sz="2000" kern="0" dirty="0">
+              <a:gradFill>
+                <a:gsLst>
+                  <a:gs pos="0">
+                    <a:schemeClr val="bg1"/>
+                  </a:gs>
+                  <a:gs pos="100000">
+                    <a:schemeClr val="bg1"/>
+                  </a:gs>
+                </a:gsLst>
+                <a:lin ang="5400000" scaled="0"/>
+              </a:gradFill>
+              <a:latin typeface="Arial"/>
+              <a:ea typeface="Apex New Light" pitchFamily="50" charset="0"/>
+            </a:endParaRPr>
+          </a:p>
+        </p:txBody>
+      </p:sp>
+      <p:sp>
+        <p:nvSpPr>
+          <p:cNvPr id="6" name="Rectangle 5"/>
+          <p:cNvSpPr/>
+          <p:nvPr/>
+        </p:nvSpPr>
+        <p:spPr bwMode="blackGray">
+          <a:xfrm>
+            <a:off x="10936704" y="5552574"/>
+            <a:ext cx="1255295" cy="1287890"/>
+          </a:xfrm>
+          <a:prstGeom prst="rect">
+            <a:avLst/>
+          </a:prstGeom>
+          <a:solidFill>
+            <a:srgbClr val="FFC000"/>
+          </a:solidFill>
+          <a:ln w="9525" cap="flat" cmpd="sng" algn="ctr">
+            <a:noFill/>
+            <a:prstDash val="solid"/>
+            <a:headEnd type="none" w="med" len="med"/>
+            <a:tailEnd type="none" w="med" len="med"/>
+          </a:ln>
+          <a:effectLst/>
+        </p:spPr>
+        <p:txBody>
+          <a:bodyPr vert="horz" wrap="square" lIns="182880" tIns="243840" rIns="121920" bIns="60957" numCol="1" rtlCol="0" anchor="t" anchorCtr="0" compatLnSpc="1">
+            <a:prstTxWarp prst="textNoShape">
+              <a:avLst/>
+            </a:prstTxWarp>
+          </a:bodyPr>
+          <a:lstStyle>
+            <a:defPPr>
+              <a:defRPr lang="en-US"/>
+            </a:defPPr>
+            <a:lvl1pPr marL="0" algn="l" defTabSz="914400" rtl="0" eaLnBrk="1" latinLnBrk="0" hangingPunct="1">
+              <a:defRPr sz="1800" kern="1200">
+                <a:solidFill>
+                  <a:schemeClr val="tx1"/>
+                </a:solidFill>
+                <a:latin typeface="+mn-lt"/>
+                <a:ea typeface="+mn-ea"/>
+                <a:cs typeface="+mn-cs"/>
+              </a:defRPr>
+            </a:lvl1pPr>
+            <a:lvl2pPr marL="457200" algn="l" defTabSz="914400" rtl="0" eaLnBrk="1" latinLnBrk="0" hangingPunct="1">
+              <a:defRPr sz="1800" kern="1200">
+                <a:solidFill>
+                  <a:schemeClr val="tx1"/>
+                </a:solidFill>
+                <a:latin typeface="+mn-lt"/>
+                <a:ea typeface="+mn-ea"/>
+                <a:cs typeface="+mn-cs"/>
+              </a:defRPr>
+            </a:lvl2pPr>
+            <a:lvl3pPr marL="914400" algn="l" defTabSz="914400" rtl="0" eaLnBrk="1" latinLnBrk="0" hangingPunct="1">
+              <a:defRPr sz="1800" kern="1200">
+                <a:solidFill>
+                  <a:schemeClr val="tx1"/>
+                </a:solidFill>
+                <a:latin typeface="+mn-lt"/>
+                <a:ea typeface="+mn-ea"/>
+                <a:cs typeface="+mn-cs"/>
+              </a:defRPr>
+            </a:lvl3pPr>
+            <a:lvl4pPr marL="1371600" algn="l" defTabSz="914400" rtl="0" eaLnBrk="1" latinLnBrk="0" hangingPunct="1">
+              <a:defRPr sz="1800" kern="1200">
+                <a:solidFill>
+                  <a:schemeClr val="tx1"/>
+                </a:solidFill>
+                <a:latin typeface="+mn-lt"/>
+                <a:ea typeface="+mn-ea"/>
+                <a:cs typeface="+mn-cs"/>
+              </a:defRPr>
+            </a:lvl4pPr>
+            <a:lvl5pPr marL="1828800" algn="l" defTabSz="914400" rtl="0" eaLnBrk="1" latinLnBrk="0" hangingPunct="1">
+              <a:defRPr sz="1800" kern="1200">
+                <a:solidFill>
+                  <a:schemeClr val="tx1"/>
+                </a:solidFill>
+                <a:latin typeface="+mn-lt"/>
+                <a:ea typeface="+mn-ea"/>
+                <a:cs typeface="+mn-cs"/>
+              </a:defRPr>
+            </a:lvl5pPr>
+            <a:lvl6pPr marL="2286000" algn="l" defTabSz="914400" rtl="0" eaLnBrk="1" latinLnBrk="0" hangingPunct="1">
+              <a:defRPr sz="1800" kern="1200">
+                <a:solidFill>
+                  <a:schemeClr val="tx1"/>
+                </a:solidFill>
+                <a:latin typeface="+mn-lt"/>
+                <a:ea typeface="+mn-ea"/>
+                <a:cs typeface="+mn-cs"/>
+              </a:defRPr>
+            </a:lvl6pPr>
+            <a:lvl7pPr marL="2743200" algn="l" defTabSz="914400" rtl="0" eaLnBrk="1" latinLnBrk="0" hangingPunct="1">
+              <a:defRPr sz="1800" kern="1200">
+                <a:solidFill>
+                  <a:schemeClr val="tx1"/>
+                </a:solidFill>
+                <a:latin typeface="+mn-lt"/>
+                <a:ea typeface="+mn-ea"/>
+                <a:cs typeface="+mn-cs"/>
+              </a:defRPr>
+            </a:lvl7pPr>
+            <a:lvl8pPr marL="3200400" algn="l" defTabSz="914400" rtl="0" eaLnBrk="1" latinLnBrk="0" hangingPunct="1">
+              <a:defRPr sz="1800" kern="1200">
+                <a:solidFill>
+                  <a:schemeClr val="tx1"/>
+                </a:solidFill>
+                <a:latin typeface="+mn-lt"/>
+                <a:ea typeface="+mn-ea"/>
+                <a:cs typeface="+mn-cs"/>
+              </a:defRPr>
+            </a:lvl8pPr>
+            <a:lvl9pPr marL="3657600" algn="l" defTabSz="914400" rtl="0" eaLnBrk="1" latinLnBrk="0" hangingPunct="1">
+              <a:defRPr sz="1800" kern="1200">
+                <a:solidFill>
+                  <a:schemeClr val="tx1"/>
+                </a:solidFill>
+                <a:latin typeface="+mn-lt"/>
+                <a:ea typeface="+mn-ea"/>
+                <a:cs typeface="+mn-cs"/>
+              </a:defRPr>
+            </a:lvl9pPr>
+          </a:lstStyle>
+          <a:p>
+            <a:pPr defTabSz="1219120">
+              <a:lnSpc>
+                <a:spcPct val="90000"/>
+              </a:lnSpc>
+            </a:pPr>
+            <a:endParaRPr lang="en-US" sz="2000" kern="0" dirty="0">
+              <a:gradFill>
+                <a:gsLst>
+                  <a:gs pos="0">
+                    <a:schemeClr val="bg1"/>
+                  </a:gs>
+                  <a:gs pos="100000">
+                    <a:schemeClr val="bg1"/>
+                  </a:gs>
+                </a:gsLst>
+                <a:lin ang="5400000" scaled="0"/>
+              </a:gradFill>
+              <a:latin typeface="Arial"/>
+              <a:ea typeface="Apex New Light" pitchFamily="50" charset="0"/>
+            </a:endParaRPr>
           </a:p>
         </p:txBody>
       </p:sp>
@@ -4873,13 +6227,13 @@
   <p:clrMapOvr>
     <a:masterClrMapping/>
   </p:clrMapOvr>
-  <mc:AlternateContent xmlns:mc="http://schemas.openxmlformats.org/markup-compatibility/2006">
-    <mc:Choice xmlns:p14="http://schemas.microsoft.com/office/powerpoint/2010/main" Requires="p14">
+  <mc:AlternateContent xmlns:mc="http://schemas.openxmlformats.org/markup-compatibility/2006" xmlns:p14="http://schemas.microsoft.com/office/powerpoint/2010/main">
+    <mc:Choice Requires="p14">
       <p:transition spd="med" p14:dur="700">
         <p:fade/>
       </p:transition>
     </mc:Choice>
-    <mc:Fallback>
+    <mc:Fallback xmlns="">
       <p:transition spd="med">
         <p:fade/>
       </p:transition>
@@ -4922,14 +6276,19 @@
             <p:ph type="title"/>
           </p:nvPr>
         </p:nvSpPr>
-        <p:spPr/>
+        <p:spPr>
+          <a:xfrm>
+            <a:off x="2550694" y="365125"/>
+            <a:ext cx="8803105" cy="1325563"/>
+          </a:xfrm>
+        </p:spPr>
         <p:txBody>
           <a:bodyPr/>
           <a:lstStyle/>
           <a:p>
             <a:r>
               <a:rPr lang="en-US" dirty="0" smtClean="0"/>
-              <a:t>Introducing </a:t>
+              <a:t>Introducing: </a:t>
             </a:r>
             <a:r>
               <a:rPr lang="en-US" dirty="0" err="1"/>
@@ -4955,87 +6314,29 @@
         </p:nvSpPr>
         <p:spPr>
           <a:xfrm>
-            <a:off x="539751" y="1645921"/>
-            <a:ext cx="11119104" cy="2462212"/>
+            <a:off x="2671011" y="1645921"/>
+            <a:ext cx="8987844" cy="848543"/>
           </a:xfrm>
         </p:spPr>
         <p:txBody>
           <a:bodyPr>
-            <a:normAutofit fontScale="92500"/>
+            <a:normAutofit/>
           </a:bodyPr>
           <a:lstStyle/>
           <a:p>
             <a:r>
-              <a:rPr lang="en-US" dirty="0" err="1" smtClean="0"/>
+              <a:rPr lang="en-US" sz="2400" dirty="0" err="1" smtClean="0"/>
               <a:t>openPayment</a:t>
             </a:r>
             <a:r>
-              <a:rPr lang="en-US" dirty="0" smtClean="0"/>
-              <a:t> is a Token payment standard that was developed by S3.</a:t>
-            </a:r>
-          </a:p>
-          <a:p>
-            <a:r>
-              <a:rPr lang="en-US" dirty="0" smtClean="0"/>
-              <a:t>The goals for </a:t>
-            </a:r>
-            <a:r>
-              <a:rPr lang="en-US" dirty="0" err="1" smtClean="0"/>
-              <a:t>openPayment</a:t>
-            </a:r>
-            <a:r>
-              <a:rPr lang="en-US" dirty="0" smtClean="0"/>
-              <a:t> is as follows:</a:t>
-            </a:r>
-          </a:p>
-          <a:p>
-            <a:pPr lvl="1"/>
-            <a:r>
-              <a:rPr lang="en-US" dirty="0" smtClean="0"/>
-              <a:t>Protect a user’s PII data at all costs.</a:t>
-            </a:r>
-          </a:p>
-          <a:p>
-            <a:pPr lvl="1"/>
-            <a:r>
-              <a:rPr lang="en-US" dirty="0"/>
-              <a:t>Facilitate consumer financial transactions </a:t>
-            </a:r>
-            <a:r>
-              <a:rPr lang="en-US" dirty="0" smtClean="0"/>
-              <a:t>using digital tokens (both online and offline).</a:t>
-            </a:r>
-          </a:p>
-          <a:p>
-            <a:pPr lvl="1"/>
-            <a:r>
-              <a:rPr lang="en-US" dirty="0" smtClean="0"/>
-              <a:t>Use existing PKI and Federation standards to achieve the goals of </a:t>
-            </a:r>
-            <a:r>
-              <a:rPr lang="en-US" dirty="0" err="1" smtClean="0"/>
-              <a:t>openPayment</a:t>
-            </a:r>
-            <a:r>
-              <a:rPr lang="en-US" dirty="0" smtClean="0"/>
-              <a:t>.</a:t>
-            </a:r>
-          </a:p>
-          <a:p>
-            <a:pPr lvl="1"/>
-            <a:r>
-              <a:rPr lang="en-US" dirty="0" smtClean="0"/>
-              <a:t>Ensure </a:t>
-            </a:r>
-            <a:r>
-              <a:rPr lang="en-US" dirty="0" err="1" smtClean="0"/>
-              <a:t>openPayment</a:t>
-            </a:r>
-            <a:r>
-              <a:rPr lang="en-US" dirty="0" smtClean="0"/>
-              <a:t> is open standard for all to review.</a:t>
-            </a:r>
-            <a:endParaRPr lang="en-US" dirty="0"/>
+              <a:rPr lang="en-US" sz="2400" dirty="0" smtClean="0"/>
+              <a:t> is a Token payment standard that was developed by </a:t>
+            </a:r>
+            <a:r>
+              <a:rPr lang="en-US" sz="2400" dirty="0" smtClean="0"/>
+              <a:t>Slalom Security Services (S3), a part of Slalom Consulting.</a:t>
+            </a:r>
+            <a:endParaRPr lang="en-US" sz="2400" dirty="0" smtClean="0"/>
           </a:p>
         </p:txBody>
       </p:sp>
@@ -5062,6 +6363,448 @@
           </a:p>
         </p:txBody>
       </p:sp>
+      <p:sp>
+        <p:nvSpPr>
+          <p:cNvPr id="5" name="Rectangle 4"/>
+          <p:cNvSpPr/>
+          <p:nvPr/>
+        </p:nvSpPr>
+        <p:spPr bwMode="blackGray">
+          <a:xfrm>
+            <a:off x="10936704" y="5552574"/>
+            <a:ext cx="1255295" cy="1287890"/>
+          </a:xfrm>
+          <a:prstGeom prst="rect">
+            <a:avLst/>
+          </a:prstGeom>
+          <a:solidFill>
+            <a:srgbClr val="FFC000"/>
+          </a:solidFill>
+          <a:ln w="9525" cap="flat" cmpd="sng" algn="ctr">
+            <a:noFill/>
+            <a:prstDash val="solid"/>
+            <a:headEnd type="none" w="med" len="med"/>
+            <a:tailEnd type="none" w="med" len="med"/>
+          </a:ln>
+          <a:effectLst/>
+        </p:spPr>
+        <p:txBody>
+          <a:bodyPr vert="horz" wrap="square" lIns="182880" tIns="243840" rIns="121920" bIns="60957" numCol="1" rtlCol="0" anchor="t" anchorCtr="0" compatLnSpc="1">
+            <a:prstTxWarp prst="textNoShape">
+              <a:avLst/>
+            </a:prstTxWarp>
+          </a:bodyPr>
+          <a:lstStyle>
+            <a:defPPr>
+              <a:defRPr lang="en-US"/>
+            </a:defPPr>
+            <a:lvl1pPr marL="0" algn="l" defTabSz="914400" rtl="0" eaLnBrk="1" latinLnBrk="0" hangingPunct="1">
+              <a:defRPr sz="1800" kern="1200">
+                <a:solidFill>
+                  <a:schemeClr val="tx1"/>
+                </a:solidFill>
+                <a:latin typeface="+mn-lt"/>
+                <a:ea typeface="+mn-ea"/>
+                <a:cs typeface="+mn-cs"/>
+              </a:defRPr>
+            </a:lvl1pPr>
+            <a:lvl2pPr marL="457200" algn="l" defTabSz="914400" rtl="0" eaLnBrk="1" latinLnBrk="0" hangingPunct="1">
+              <a:defRPr sz="1800" kern="1200">
+                <a:solidFill>
+                  <a:schemeClr val="tx1"/>
+                </a:solidFill>
+                <a:latin typeface="+mn-lt"/>
+                <a:ea typeface="+mn-ea"/>
+                <a:cs typeface="+mn-cs"/>
+              </a:defRPr>
+            </a:lvl2pPr>
+            <a:lvl3pPr marL="914400" algn="l" defTabSz="914400" rtl="0" eaLnBrk="1" latinLnBrk="0" hangingPunct="1">
+              <a:defRPr sz="1800" kern="1200">
+                <a:solidFill>
+                  <a:schemeClr val="tx1"/>
+                </a:solidFill>
+                <a:latin typeface="+mn-lt"/>
+                <a:ea typeface="+mn-ea"/>
+                <a:cs typeface="+mn-cs"/>
+              </a:defRPr>
+            </a:lvl3pPr>
+            <a:lvl4pPr marL="1371600" algn="l" defTabSz="914400" rtl="0" eaLnBrk="1" latinLnBrk="0" hangingPunct="1">
+              <a:defRPr sz="1800" kern="1200">
+                <a:solidFill>
+                  <a:schemeClr val="tx1"/>
+                </a:solidFill>
+                <a:latin typeface="+mn-lt"/>
+                <a:ea typeface="+mn-ea"/>
+                <a:cs typeface="+mn-cs"/>
+              </a:defRPr>
+            </a:lvl4pPr>
+            <a:lvl5pPr marL="1828800" algn="l" defTabSz="914400" rtl="0" eaLnBrk="1" latinLnBrk="0" hangingPunct="1">
+              <a:defRPr sz="1800" kern="1200">
+                <a:solidFill>
+                  <a:schemeClr val="tx1"/>
+                </a:solidFill>
+                <a:latin typeface="+mn-lt"/>
+                <a:ea typeface="+mn-ea"/>
+                <a:cs typeface="+mn-cs"/>
+              </a:defRPr>
+            </a:lvl5pPr>
+            <a:lvl6pPr marL="2286000" algn="l" defTabSz="914400" rtl="0" eaLnBrk="1" latinLnBrk="0" hangingPunct="1">
+              <a:defRPr sz="1800" kern="1200">
+                <a:solidFill>
+                  <a:schemeClr val="tx1"/>
+                </a:solidFill>
+                <a:latin typeface="+mn-lt"/>
+                <a:ea typeface="+mn-ea"/>
+                <a:cs typeface="+mn-cs"/>
+              </a:defRPr>
+            </a:lvl6pPr>
+            <a:lvl7pPr marL="2743200" algn="l" defTabSz="914400" rtl="0" eaLnBrk="1" latinLnBrk="0" hangingPunct="1">
+              <a:defRPr sz="1800" kern="1200">
+                <a:solidFill>
+                  <a:schemeClr val="tx1"/>
+                </a:solidFill>
+                <a:latin typeface="+mn-lt"/>
+                <a:ea typeface="+mn-ea"/>
+                <a:cs typeface="+mn-cs"/>
+              </a:defRPr>
+            </a:lvl7pPr>
+            <a:lvl8pPr marL="3200400" algn="l" defTabSz="914400" rtl="0" eaLnBrk="1" latinLnBrk="0" hangingPunct="1">
+              <a:defRPr sz="1800" kern="1200">
+                <a:solidFill>
+                  <a:schemeClr val="tx1"/>
+                </a:solidFill>
+                <a:latin typeface="+mn-lt"/>
+                <a:ea typeface="+mn-ea"/>
+                <a:cs typeface="+mn-cs"/>
+              </a:defRPr>
+            </a:lvl8pPr>
+            <a:lvl9pPr marL="3657600" algn="l" defTabSz="914400" rtl="0" eaLnBrk="1" latinLnBrk="0" hangingPunct="1">
+              <a:defRPr sz="1800" kern="1200">
+                <a:solidFill>
+                  <a:schemeClr val="tx1"/>
+                </a:solidFill>
+                <a:latin typeface="+mn-lt"/>
+                <a:ea typeface="+mn-ea"/>
+                <a:cs typeface="+mn-cs"/>
+              </a:defRPr>
+            </a:lvl9pPr>
+          </a:lstStyle>
+          <a:p>
+            <a:pPr defTabSz="1219120">
+              <a:lnSpc>
+                <a:spcPct val="90000"/>
+              </a:lnSpc>
+            </a:pPr>
+            <a:endParaRPr lang="en-US" sz="2000" kern="0" dirty="0">
+              <a:gradFill>
+                <a:gsLst>
+                  <a:gs pos="0">
+                    <a:schemeClr val="bg1"/>
+                  </a:gs>
+                  <a:gs pos="100000">
+                    <a:schemeClr val="bg1"/>
+                  </a:gs>
+                </a:gsLst>
+                <a:lin ang="5400000" scaled="0"/>
+              </a:gradFill>
+              <a:latin typeface="Arial"/>
+              <a:ea typeface="Apex New Light" pitchFamily="50" charset="0"/>
+            </a:endParaRPr>
+          </a:p>
+        </p:txBody>
+      </p:sp>
+      <p:sp>
+        <p:nvSpPr>
+          <p:cNvPr id="6" name="Rectangle 5"/>
+          <p:cNvSpPr/>
+          <p:nvPr/>
+        </p:nvSpPr>
+        <p:spPr bwMode="blackGray">
+          <a:xfrm>
+            <a:off x="450345" y="0"/>
+            <a:ext cx="2011680" cy="6122314"/>
+          </a:xfrm>
+          <a:prstGeom prst="rect">
+            <a:avLst/>
+          </a:prstGeom>
+          <a:solidFill>
+            <a:srgbClr val="8DC63F"/>
+          </a:solidFill>
+          <a:ln w="9525" cap="flat" cmpd="sng" algn="ctr">
+            <a:noFill/>
+            <a:prstDash val="solid"/>
+            <a:headEnd type="none" w="med" len="med"/>
+            <a:tailEnd type="none" w="med" len="med"/>
+          </a:ln>
+          <a:effectLst/>
+        </p:spPr>
+        <p:txBody>
+          <a:bodyPr vert="horz" wrap="square" lIns="182880" tIns="243840" rIns="121920" bIns="60957" numCol="1" rtlCol="0" anchor="t" anchorCtr="0" compatLnSpc="1">
+            <a:prstTxWarp prst="textNoShape">
+              <a:avLst/>
+            </a:prstTxWarp>
+          </a:bodyPr>
+          <a:lstStyle>
+            <a:defPPr>
+              <a:defRPr lang="en-US"/>
+            </a:defPPr>
+            <a:lvl1pPr marL="0" algn="l" defTabSz="914400" rtl="0" eaLnBrk="1" latinLnBrk="0" hangingPunct="1">
+              <a:defRPr sz="1800" kern="1200">
+                <a:solidFill>
+                  <a:schemeClr val="tx1"/>
+                </a:solidFill>
+                <a:latin typeface="+mn-lt"/>
+                <a:ea typeface="+mn-ea"/>
+                <a:cs typeface="+mn-cs"/>
+              </a:defRPr>
+            </a:lvl1pPr>
+            <a:lvl2pPr marL="457200" algn="l" defTabSz="914400" rtl="0" eaLnBrk="1" latinLnBrk="0" hangingPunct="1">
+              <a:defRPr sz="1800" kern="1200">
+                <a:solidFill>
+                  <a:schemeClr val="tx1"/>
+                </a:solidFill>
+                <a:latin typeface="+mn-lt"/>
+                <a:ea typeface="+mn-ea"/>
+                <a:cs typeface="+mn-cs"/>
+              </a:defRPr>
+            </a:lvl2pPr>
+            <a:lvl3pPr marL="914400" algn="l" defTabSz="914400" rtl="0" eaLnBrk="1" latinLnBrk="0" hangingPunct="1">
+              <a:defRPr sz="1800" kern="1200">
+                <a:solidFill>
+                  <a:schemeClr val="tx1"/>
+                </a:solidFill>
+                <a:latin typeface="+mn-lt"/>
+                <a:ea typeface="+mn-ea"/>
+                <a:cs typeface="+mn-cs"/>
+              </a:defRPr>
+            </a:lvl3pPr>
+            <a:lvl4pPr marL="1371600" algn="l" defTabSz="914400" rtl="0" eaLnBrk="1" latinLnBrk="0" hangingPunct="1">
+              <a:defRPr sz="1800" kern="1200">
+                <a:solidFill>
+                  <a:schemeClr val="tx1"/>
+                </a:solidFill>
+                <a:latin typeface="+mn-lt"/>
+                <a:ea typeface="+mn-ea"/>
+                <a:cs typeface="+mn-cs"/>
+              </a:defRPr>
+            </a:lvl4pPr>
+            <a:lvl5pPr marL="1828800" algn="l" defTabSz="914400" rtl="0" eaLnBrk="1" latinLnBrk="0" hangingPunct="1">
+              <a:defRPr sz="1800" kern="1200">
+                <a:solidFill>
+                  <a:schemeClr val="tx1"/>
+                </a:solidFill>
+                <a:latin typeface="+mn-lt"/>
+                <a:ea typeface="+mn-ea"/>
+                <a:cs typeface="+mn-cs"/>
+              </a:defRPr>
+            </a:lvl5pPr>
+            <a:lvl6pPr marL="2286000" algn="l" defTabSz="914400" rtl="0" eaLnBrk="1" latinLnBrk="0" hangingPunct="1">
+              <a:defRPr sz="1800" kern="1200">
+                <a:solidFill>
+                  <a:schemeClr val="tx1"/>
+                </a:solidFill>
+                <a:latin typeface="+mn-lt"/>
+                <a:ea typeface="+mn-ea"/>
+                <a:cs typeface="+mn-cs"/>
+              </a:defRPr>
+            </a:lvl6pPr>
+            <a:lvl7pPr marL="2743200" algn="l" defTabSz="914400" rtl="0" eaLnBrk="1" latinLnBrk="0" hangingPunct="1">
+              <a:defRPr sz="1800" kern="1200">
+                <a:solidFill>
+                  <a:schemeClr val="tx1"/>
+                </a:solidFill>
+                <a:latin typeface="+mn-lt"/>
+                <a:ea typeface="+mn-ea"/>
+                <a:cs typeface="+mn-cs"/>
+              </a:defRPr>
+            </a:lvl7pPr>
+            <a:lvl8pPr marL="3200400" algn="l" defTabSz="914400" rtl="0" eaLnBrk="1" latinLnBrk="0" hangingPunct="1">
+              <a:defRPr sz="1800" kern="1200">
+                <a:solidFill>
+                  <a:schemeClr val="tx1"/>
+                </a:solidFill>
+                <a:latin typeface="+mn-lt"/>
+                <a:ea typeface="+mn-ea"/>
+                <a:cs typeface="+mn-cs"/>
+              </a:defRPr>
+            </a:lvl8pPr>
+            <a:lvl9pPr marL="3657600" algn="l" defTabSz="914400" rtl="0" eaLnBrk="1" latinLnBrk="0" hangingPunct="1">
+              <a:defRPr sz="1800" kern="1200">
+                <a:solidFill>
+                  <a:schemeClr val="tx1"/>
+                </a:solidFill>
+                <a:latin typeface="+mn-lt"/>
+                <a:ea typeface="+mn-ea"/>
+                <a:cs typeface="+mn-cs"/>
+              </a:defRPr>
+            </a:lvl9pPr>
+          </a:lstStyle>
+          <a:p>
+            <a:pPr defTabSz="1219120">
+              <a:lnSpc>
+                <a:spcPct val="90000"/>
+              </a:lnSpc>
+            </a:pPr>
+            <a:endParaRPr lang="en-US" sz="2000" kern="0" dirty="0">
+              <a:gradFill>
+                <a:gsLst>
+                  <a:gs pos="0">
+                    <a:schemeClr val="bg1"/>
+                  </a:gs>
+                  <a:gs pos="100000">
+                    <a:schemeClr val="bg1"/>
+                  </a:gs>
+                </a:gsLst>
+                <a:lin ang="5400000" scaled="0"/>
+              </a:gradFill>
+              <a:latin typeface="Arial"/>
+              <a:ea typeface="Apex New Light" pitchFamily="50" charset="0"/>
+            </a:endParaRPr>
+          </a:p>
+        </p:txBody>
+      </p:sp>
+      <p:graphicFrame>
+        <p:nvGraphicFramePr>
+          <p:cNvPr id="7" name="Table 6"/>
+          <p:cNvGraphicFramePr>
+            <a:graphicFrameLocks noGrp="1"/>
+          </p:cNvGraphicFramePr>
+          <p:nvPr>
+            <p:extLst>
+              <p:ext uri="{D42A27DB-BD31-4B8C-83A1-F6EECF244321}">
+                <p14:modId xmlns:p14="http://schemas.microsoft.com/office/powerpoint/2010/main" val="2280838247"/>
+              </p:ext>
+            </p:extLst>
+          </p:nvPr>
+        </p:nvGraphicFramePr>
+        <p:xfrm>
+          <a:off x="2671011" y="2664994"/>
+          <a:ext cx="9192126" cy="2795769"/>
+        </p:xfrm>
+        <a:graphic>
+          <a:graphicData uri="http://schemas.openxmlformats.org/drawingml/2006/table">
+            <a:tbl>
+              <a:tblPr firstRow="1" bandRow="1">
+                <a:tableStyleId>{E8B1032C-EA38-4F05-BA0D-38AFFFC7BED3}</a:tableStyleId>
+              </a:tblPr>
+              <a:tblGrid>
+                <a:gridCol w="9192126"/>
+              </a:tblGrid>
+              <a:tr h="418329">
+                <a:tc>
+                  <a:txBody>
+                    <a:bodyPr/>
+                    <a:lstStyle/>
+                    <a:p>
+                      <a:pPr algn="ctr"/>
+                      <a:r>
+                        <a:rPr lang="en-US" dirty="0" err="1" smtClean="0"/>
+                        <a:t>openPayment</a:t>
+                      </a:r>
+                      <a:r>
+                        <a:rPr lang="en-US" baseline="0" dirty="0" smtClean="0"/>
+                        <a:t> Objectives</a:t>
+                      </a:r>
+                      <a:endParaRPr lang="en-US" dirty="0"/>
+                    </a:p>
+                  </a:txBody>
+                  <a:tcPr>
+                    <a:solidFill>
+                      <a:schemeClr val="accent6">
+                        <a:lumMod val="20000"/>
+                        <a:lumOff val="80000"/>
+                      </a:schemeClr>
+                    </a:solidFill>
+                  </a:tcPr>
+                </a:tc>
+              </a:tr>
+              <a:tr h="2300809">
+                <a:tc>
+                  <a:txBody>
+                    <a:bodyPr/>
+                    <a:lstStyle/>
+                    <a:p>
+                      <a:pPr marL="742950" lvl="1" indent="-285750">
+                        <a:spcAft>
+                          <a:spcPts val="1800"/>
+                        </a:spcAft>
+                        <a:buFont typeface="Arial" panose="020B0604020202020204" pitchFamily="34" charset="0"/>
+                        <a:buChar char="•"/>
+                      </a:pPr>
+                      <a:r>
+                        <a:rPr lang="en-US" dirty="0" smtClean="0"/>
+                        <a:t>Protect a user’s PII data at all costs</a:t>
+                      </a:r>
+                    </a:p>
+                    <a:p>
+                      <a:pPr marL="742950" lvl="1" indent="-285750">
+                        <a:spcAft>
+                          <a:spcPts val="1800"/>
+                        </a:spcAft>
+                        <a:buFont typeface="Arial" panose="020B0604020202020204" pitchFamily="34" charset="0"/>
+                        <a:buChar char="•"/>
+                      </a:pPr>
+                      <a:r>
+                        <a:rPr lang="en-US" dirty="0" smtClean="0"/>
+                        <a:t>Facilitate consumer financial transactions using digital tokens (both online and offline)</a:t>
+                      </a:r>
+                    </a:p>
+                    <a:p>
+                      <a:pPr marL="742950" lvl="1" indent="-285750">
+                        <a:spcAft>
+                          <a:spcPts val="1800"/>
+                        </a:spcAft>
+                        <a:buFont typeface="Arial" panose="020B0604020202020204" pitchFamily="34" charset="0"/>
+                        <a:buChar char="•"/>
+                      </a:pPr>
+                      <a:r>
+                        <a:rPr lang="en-US" dirty="0" smtClean="0"/>
+                        <a:t>Use existing PKI and Federation standards to achieve the goals of </a:t>
+                      </a:r>
+                      <a:r>
+                        <a:rPr lang="en-US" dirty="0" err="1" smtClean="0"/>
+                        <a:t>openPayment</a:t>
+                      </a:r>
+                      <a:endParaRPr lang="en-US" dirty="0" smtClean="0"/>
+                    </a:p>
+                    <a:p>
+                      <a:pPr marL="742950" lvl="1" indent="-285750">
+                        <a:spcAft>
+                          <a:spcPts val="1800"/>
+                        </a:spcAft>
+                        <a:buFont typeface="Arial" panose="020B0604020202020204" pitchFamily="34" charset="0"/>
+                        <a:buChar char="•"/>
+                      </a:pPr>
+                      <a:r>
+                        <a:rPr lang="en-US" dirty="0" smtClean="0"/>
+                        <a:t>Ensure </a:t>
+                      </a:r>
+                      <a:r>
+                        <a:rPr lang="en-US" dirty="0" err="1" smtClean="0"/>
+                        <a:t>openPayment</a:t>
+                      </a:r>
+                      <a:r>
+                        <a:rPr lang="en-US" dirty="0" smtClean="0"/>
+                        <a:t> is an open standard for all to review.</a:t>
+                      </a:r>
+                    </a:p>
+                    <a:p>
+                      <a:endParaRPr lang="en-US" dirty="0"/>
+                    </a:p>
+                  </a:txBody>
+                  <a:tcPr>
+                    <a:solidFill>
+                      <a:schemeClr val="bg1">
+                        <a:alpha val="20000"/>
+                      </a:schemeClr>
+                    </a:solidFill>
+                  </a:tcPr>
+                </a:tc>
+              </a:tr>
+            </a:tbl>
+          </a:graphicData>
+        </a:graphic>
+      </p:graphicFrame>
     </p:spTree>
     <p:extLst>
       <p:ext uri="{BB962C8B-B14F-4D97-AF65-F5344CB8AC3E}">
@@ -5072,13 +6815,13 @@
   <p:clrMapOvr>
     <a:masterClrMapping/>
   </p:clrMapOvr>
-  <mc:AlternateContent xmlns:mc="http://schemas.openxmlformats.org/markup-compatibility/2006">
-    <mc:Choice xmlns:p14="http://schemas.microsoft.com/office/powerpoint/2010/main" Requires="p14">
+  <mc:AlternateContent xmlns:mc="http://schemas.openxmlformats.org/markup-compatibility/2006" xmlns:p14="http://schemas.microsoft.com/office/powerpoint/2010/main">
+    <mc:Choice Requires="p14">
       <p:transition spd="med" p14:dur="700">
         <p:fade/>
       </p:transition>
     </mc:Choice>
-    <mc:Fallback>
+    <mc:Fallback xmlns="">
       <p:transition spd="med">
         <p:fade/>
       </p:transition>
@@ -5671,24 +7414,7 @@
                 </a:gradFill>
                 <a:ea typeface="Apex New Light" pitchFamily="50" charset="0"/>
               </a:rPr>
-              <a:t>i</a:t>
-            </a:r>
-            <a:r>
-              <a:rPr lang="en-US" sz="2000" kern="0" dirty="0">
-                <a:gradFill>
-                  <a:gsLst>
-                    <a:gs pos="0">
-                      <a:schemeClr val="bg1"/>
-                    </a:gs>
-                    <a:gs pos="100000">
-                      <a:schemeClr val="bg1"/>
-                    </a:gs>
-                  </a:gsLst>
-                  <a:lin ang="5400000" scaled="0"/>
-                </a:gradFill>
-                <a:ea typeface="Apex New Light" pitchFamily="50" charset="0"/>
-              </a:rPr>
-              <a:t>dentity provider</a:t>
+              <a:t>identity provider</a:t>
             </a:r>
             <a:endParaRPr lang="en-US" sz="2000" kern="0" dirty="0">
               <a:gradFill>
@@ -5745,7 +7471,6 @@
               <a:rPr lang="en-US" sz="2133" dirty="0"/>
               <a:t>1. Authenticate</a:t>
             </a:r>
-            <a:endParaRPr lang="en-US" sz="2133" dirty="0"/>
           </a:p>
         </p:txBody>
       </p:sp>
@@ -5818,13 +7543,8 @@
             </a:pPr>
             <a:r>
               <a:rPr lang="en-US" sz="2133" dirty="0"/>
-              <a:t>2</a:t>
-            </a:r>
-            <a:r>
-              <a:rPr lang="en-US" sz="2133" dirty="0"/>
-              <a:t>. Issue Token</a:t>
-            </a:r>
-            <a:endParaRPr lang="en-US" sz="2133" dirty="0"/>
+              <a:t>2. Issue Token</a:t>
+            </a:r>
           </a:p>
         </p:txBody>
       </p:sp>
@@ -5896,13 +7616,8 @@
             </a:pPr>
             <a:r>
               <a:rPr lang="en-US" sz="2133" dirty="0"/>
-              <a:t>3</a:t>
-            </a:r>
-            <a:r>
-              <a:rPr lang="en-US" sz="2133" dirty="0"/>
-              <a:t>. Send Token</a:t>
-            </a:r>
-            <a:endParaRPr lang="en-US" sz="2133" dirty="0"/>
+              <a:t>3. Send Token</a:t>
+            </a:r>
           </a:p>
         </p:txBody>
       </p:sp>
@@ -5975,13 +7690,8 @@
             </a:pPr>
             <a:r>
               <a:rPr lang="en-US" sz="2133" dirty="0"/>
-              <a:t>5</a:t>
-            </a:r>
-            <a:r>
-              <a:rPr lang="en-US" sz="2133" dirty="0"/>
-              <a:t>. Receive Cookie</a:t>
-            </a:r>
-            <a:endParaRPr lang="en-US" sz="2133" dirty="0"/>
+              <a:t>5. Receive Cookie</a:t>
+            </a:r>
           </a:p>
         </p:txBody>
       </p:sp>
@@ -6022,7 +7732,6 @@
               <a:rPr lang="en-US" sz="2133" dirty="0"/>
               <a:t>4. Generate PRA</a:t>
             </a:r>
-            <a:endParaRPr lang="en-US" sz="2133" dirty="0"/>
           </a:p>
         </p:txBody>
       </p:sp>
@@ -6646,7 +8355,6 @@
               <a:rPr lang="en-US" sz="1600" dirty="0"/>
               <a:t>1. Choose Processor</a:t>
             </a:r>
-            <a:endParaRPr lang="en-US" sz="1600" dirty="0"/>
           </a:p>
         </p:txBody>
       </p:sp>
@@ -6719,13 +8427,8 @@
             </a:pPr>
             <a:r>
               <a:rPr lang="en-US" sz="1600" dirty="0"/>
-              <a:t>2</a:t>
-            </a:r>
-            <a:r>
-              <a:rPr lang="en-US" sz="1600" dirty="0"/>
-              <a:t>. Issue R-Token</a:t>
-            </a:r>
-            <a:endParaRPr lang="en-US" sz="1600" dirty="0"/>
+              <a:t>2. Issue R-Token</a:t>
+            </a:r>
           </a:p>
         </p:txBody>
       </p:sp>
@@ -6764,13 +8467,8 @@
             </a:pPr>
             <a:r>
               <a:rPr lang="en-US" sz="1600" dirty="0"/>
-              <a:t>9</a:t>
-            </a:r>
-            <a:r>
-              <a:rPr lang="en-US" sz="1600" dirty="0"/>
-              <a:t>. Setup Link</a:t>
-            </a:r>
-            <a:endParaRPr lang="en-US" sz="1600" dirty="0"/>
+              <a:t>9. Setup Link</a:t>
+            </a:r>
           </a:p>
         </p:txBody>
       </p:sp>
@@ -6845,7 +8543,6 @@
               <a:rPr lang="en-US" sz="1600" dirty="0"/>
               <a:t>8. Send I-Token</a:t>
             </a:r>
-            <a:endParaRPr lang="en-US" sz="1600" dirty="0"/>
           </a:p>
         </p:txBody>
       </p:sp>
@@ -6919,7 +8616,6 @@
               <a:rPr lang="en-US" sz="1600" dirty="0"/>
               <a:t>3. Send R-Token</a:t>
             </a:r>
-            <a:endParaRPr lang="en-US" sz="1600" dirty="0"/>
           </a:p>
         </p:txBody>
       </p:sp>
@@ -6992,13 +8688,8 @@
             </a:pPr>
             <a:r>
               <a:rPr lang="en-US" sz="1600" dirty="0"/>
-              <a:t>4</a:t>
-            </a:r>
-            <a:r>
-              <a:rPr lang="en-US" sz="1600" dirty="0"/>
-              <a:t>. Challenge</a:t>
-            </a:r>
-            <a:endParaRPr lang="en-US" sz="1600" dirty="0"/>
+              <a:t>4. Challenge</a:t>
+            </a:r>
           </a:p>
         </p:txBody>
       </p:sp>
@@ -7073,7 +8764,6 @@
               <a:rPr lang="en-US" sz="1600" dirty="0"/>
               <a:t>5. Provide Claims</a:t>
             </a:r>
-            <a:endParaRPr lang="en-US" sz="1600" dirty="0"/>
           </a:p>
         </p:txBody>
       </p:sp>
@@ -7148,7 +8838,6 @@
               <a:rPr lang="en-US" sz="1600" dirty="0"/>
               <a:t>7. Issue I-Token</a:t>
             </a:r>
-            <a:endParaRPr lang="en-US" sz="1600" dirty="0"/>
           </a:p>
         </p:txBody>
       </p:sp>
@@ -7189,7 +8878,6 @@
               <a:rPr lang="en-US" sz="1600" dirty="0"/>
               <a:t>6. Setup Link</a:t>
             </a:r>
-            <a:endParaRPr lang="en-US" sz="1600" dirty="0"/>
           </a:p>
         </p:txBody>
       </p:sp>
@@ -7631,7 +9319,6 @@
               <a:rPr lang="en-US" sz="2133" dirty="0"/>
               <a:t>1. Install Wallet APP</a:t>
             </a:r>
-            <a:endParaRPr lang="en-US" sz="2133" dirty="0"/>
           </a:p>
         </p:txBody>
       </p:sp>
@@ -7782,24 +9469,7 @@
                 </a:gradFill>
                 <a:ea typeface="Apex New Light" pitchFamily="50" charset="0"/>
               </a:rPr>
-              <a:t>d</a:t>
-            </a:r>
-            <a:r>
-              <a:rPr lang="en-US" sz="2000" kern="0" dirty="0">
-                <a:gradFill>
-                  <a:gsLst>
-                    <a:gs pos="0">
-                      <a:schemeClr val="bg1"/>
-                    </a:gs>
-                    <a:gs pos="100000">
-                      <a:schemeClr val="bg1"/>
-                    </a:gs>
-                  </a:gsLst>
-                  <a:lin ang="5400000" scaled="0"/>
-                </a:gradFill>
-                <a:ea typeface="Apex New Light" pitchFamily="50" charset="0"/>
-              </a:rPr>
-              <a:t>igital wallet</a:t>
+              <a:t>digital wallet</a:t>
             </a:r>
             <a:endParaRPr lang="en-US" sz="2000" kern="0" dirty="0">
               <a:gradFill>
@@ -7854,13 +9524,8 @@
             </a:pPr>
             <a:r>
               <a:rPr lang="en-US" sz="2133" dirty="0"/>
-              <a:t>2</a:t>
-            </a:r>
-            <a:r>
-              <a:rPr lang="en-US" sz="2133" dirty="0"/>
-              <a:t>. Initialize Key Store</a:t>
-            </a:r>
-            <a:endParaRPr lang="en-US" sz="2133" dirty="0"/>
+              <a:t>2. Initialize Key Store</a:t>
+            </a:r>
           </a:p>
         </p:txBody>
       </p:sp>
@@ -7901,7 +9566,6 @@
               <a:rPr lang="en-US" sz="2133" dirty="0"/>
               <a:t>3. Generate Keys/Cert Request</a:t>
             </a:r>
-            <a:endParaRPr lang="en-US" sz="2133" dirty="0"/>
           </a:p>
         </p:txBody>
       </p:sp>
@@ -7975,7 +9639,6 @@
               <a:rPr lang="en-US" sz="2133" dirty="0"/>
               <a:t>4. Submit Request</a:t>
             </a:r>
-            <a:endParaRPr lang="en-US" sz="2133" dirty="0"/>
           </a:p>
         </p:txBody>
       </p:sp>
@@ -8048,13 +9711,8 @@
             </a:pPr>
             <a:r>
               <a:rPr lang="en-US" sz="2133" dirty="0"/>
-              <a:t>7</a:t>
-            </a:r>
-            <a:r>
-              <a:rPr lang="en-US" sz="2133" dirty="0"/>
-              <a:t>. Return Cert</a:t>
-            </a:r>
-            <a:endParaRPr lang="en-US" sz="2133" dirty="0"/>
+              <a:t>7. Return Cert</a:t>
+            </a:r>
           </a:p>
         </p:txBody>
       </p:sp>
@@ -8095,7 +9753,6 @@
               <a:rPr lang="en-US" sz="2133" dirty="0"/>
               <a:t>5. Sign Cert</a:t>
             </a:r>
-            <a:endParaRPr lang="en-US" sz="2133" dirty="0"/>
           </a:p>
         </p:txBody>
       </p:sp>
@@ -8134,13 +9791,8 @@
             </a:pPr>
             <a:r>
               <a:rPr lang="en-US" sz="2133" dirty="0"/>
-              <a:t>8</a:t>
-            </a:r>
-            <a:r>
-              <a:rPr lang="en-US" sz="2133" dirty="0"/>
-              <a:t>. Install Cert</a:t>
-            </a:r>
-            <a:endParaRPr lang="en-US" sz="2133" dirty="0"/>
+              <a:t>8. Install Cert</a:t>
+            </a:r>
           </a:p>
         </p:txBody>
       </p:sp>
@@ -8179,13 +9831,8 @@
             </a:pPr>
             <a:r>
               <a:rPr lang="en-US" sz="2133" dirty="0"/>
-              <a:t>9</a:t>
-            </a:r>
-            <a:r>
-              <a:rPr lang="en-US" sz="2133" dirty="0"/>
-              <a:t>. Sync Payment Processors</a:t>
-            </a:r>
-            <a:endParaRPr lang="en-US" sz="2133" dirty="0"/>
+              <a:t>9. Sync Payment Processors</a:t>
+            </a:r>
           </a:p>
         </p:txBody>
       </p:sp>
@@ -8224,13 +9871,8 @@
             </a:pPr>
             <a:r>
               <a:rPr lang="en-US" sz="2133" dirty="0"/>
-              <a:t>6</a:t>
-            </a:r>
-            <a:r>
-              <a:rPr lang="en-US" sz="2133" dirty="0"/>
-              <a:t>. Setup Link</a:t>
-            </a:r>
-            <a:endParaRPr lang="en-US" sz="2133" dirty="0"/>
+              <a:t>6. Setup Link</a:t>
+            </a:r>
           </a:p>
         </p:txBody>
       </p:sp>
@@ -8466,20 +10108,6 @@
               </a:rPr>
               <a:t>merchant</a:t>
             </a:r>
-            <a:endParaRPr lang="en-US" sz="2133" kern="0" dirty="0">
-              <a:gradFill>
-                <a:gsLst>
-                  <a:gs pos="0">
-                    <a:schemeClr val="bg1"/>
-                  </a:gs>
-                  <a:gs pos="100000">
-                    <a:schemeClr val="bg1"/>
-                  </a:gs>
-                </a:gsLst>
-                <a:lin ang="5400000" scaled="0"/>
-              </a:gradFill>
-              <a:ea typeface="Apex New Light" pitchFamily="50" charset="0"/>
-            </a:endParaRPr>
           </a:p>
         </p:txBody>
       </p:sp>
@@ -8687,7 +10315,6 @@
               <a:rPr lang="en-US" sz="2133" dirty="0"/>
               <a:t>3. Unlock Wallet</a:t>
             </a:r>
-            <a:endParaRPr lang="en-US" sz="2133" dirty="0"/>
           </a:p>
         </p:txBody>
       </p:sp>
@@ -8838,24 +10465,7 @@
                 </a:gradFill>
                 <a:ea typeface="Apex New Light" pitchFamily="50" charset="0"/>
               </a:rPr>
-              <a:t>d</a:t>
-            </a:r>
-            <a:r>
-              <a:rPr lang="en-US" sz="2000" kern="0" dirty="0">
-                <a:gradFill>
-                  <a:gsLst>
-                    <a:gs pos="0">
-                      <a:schemeClr val="bg1"/>
-                    </a:gs>
-                    <a:gs pos="100000">
-                      <a:schemeClr val="bg1"/>
-                    </a:gs>
-                  </a:gsLst>
-                  <a:lin ang="5400000" scaled="0"/>
-                </a:gradFill>
-                <a:ea typeface="Apex New Light" pitchFamily="50" charset="0"/>
-              </a:rPr>
-              <a:t>igital wallet</a:t>
+              <a:t>digital wallet</a:t>
             </a:r>
             <a:endParaRPr lang="en-US" sz="2000" kern="0" dirty="0">
               <a:gradFill>
@@ -8910,13 +10520,8 @@
             </a:pPr>
             <a:r>
               <a:rPr lang="en-US" sz="2133" dirty="0"/>
-              <a:t>2</a:t>
-            </a:r>
-            <a:r>
-              <a:rPr lang="en-US" sz="2133" dirty="0"/>
-              <a:t>. Verify R-Token</a:t>
-            </a:r>
-            <a:endParaRPr lang="en-US" sz="2133" dirty="0"/>
+              <a:t>2. Verify R-Token</a:t>
+            </a:r>
           </a:p>
         </p:txBody>
       </p:sp>
@@ -8989,13 +10594,8 @@
             </a:pPr>
             <a:r>
               <a:rPr lang="en-US" sz="2133" dirty="0"/>
-              <a:t>1</a:t>
-            </a:r>
-            <a:r>
-              <a:rPr lang="en-US" sz="2133" dirty="0"/>
-              <a:t>. Issue R-Token</a:t>
-            </a:r>
-            <a:endParaRPr lang="en-US" sz="2133" dirty="0"/>
+              <a:t>1. Issue R-Token</a:t>
+            </a:r>
           </a:p>
         </p:txBody>
       </p:sp>
@@ -9068,13 +10668,8 @@
             </a:pPr>
             <a:r>
               <a:rPr lang="en-US" sz="2133" dirty="0"/>
-              <a:t>6</a:t>
-            </a:r>
-            <a:r>
-              <a:rPr lang="en-US" sz="2133" dirty="0"/>
-              <a:t>. Issue P-Token</a:t>
-            </a:r>
-            <a:endParaRPr lang="en-US" sz="2133" dirty="0"/>
+              <a:t>6. Issue P-Token</a:t>
+            </a:r>
           </a:p>
         </p:txBody>
       </p:sp>
@@ -9113,13 +10708,8 @@
             </a:pPr>
             <a:r>
               <a:rPr lang="en-US" sz="2133" dirty="0"/>
-              <a:t>7</a:t>
-            </a:r>
-            <a:r>
-              <a:rPr lang="en-US" sz="2133" dirty="0"/>
-              <a:t>. Verify Token</a:t>
-            </a:r>
-            <a:endParaRPr lang="en-US" sz="2133" dirty="0"/>
+              <a:t>7. Verify Token</a:t>
+            </a:r>
           </a:p>
         </p:txBody>
       </p:sp>
@@ -9158,13 +10748,8 @@
             </a:pPr>
             <a:r>
               <a:rPr lang="en-US" sz="2133" dirty="0"/>
-              <a:t>8</a:t>
-            </a:r>
-            <a:r>
-              <a:rPr lang="en-US" sz="2133" dirty="0"/>
-              <a:t>. Submitted</a:t>
-            </a:r>
-            <a:endParaRPr lang="en-US" sz="2133" dirty="0"/>
+              <a:t>8. Submitted</a:t>
+            </a:r>
           </a:p>
         </p:txBody>
       </p:sp>
@@ -9203,13 +10788,8 @@
             </a:pPr>
             <a:r>
               <a:rPr lang="en-US" sz="2133" dirty="0"/>
-              <a:t>4</a:t>
-            </a:r>
-            <a:r>
-              <a:rPr lang="en-US" sz="2133" dirty="0"/>
-              <a:t>. Select Processor</a:t>
-            </a:r>
-            <a:endParaRPr lang="en-US" sz="2133" dirty="0"/>
+              <a:t>4. Select Processor</a:t>
+            </a:r>
           </a:p>
         </p:txBody>
       </p:sp>
@@ -9250,7 +10830,6 @@
               <a:rPr lang="en-US" sz="2133" dirty="0"/>
               <a:t>5. Approve Payment</a:t>
             </a:r>
-            <a:endParaRPr lang="en-US" sz="2133" dirty="0"/>
           </a:p>
         </p:txBody>
       </p:sp>

--- a/fancy/openPayment - Original Draft.pptx
+++ b/fancy/openPayment - Original Draft.pptx
@@ -5884,11 +5884,19 @@
             </a:r>
             <a:r>
               <a:rPr lang="en-US" dirty="0" smtClean="0"/>
-              <a:t>controlled by a </a:t>
+              <a:t>controlled </a:t>
+            </a:r>
+            <a:r>
+              <a:rPr lang="en-US" smtClean="0"/>
+              <a:t>by </a:t>
+            </a:r>
+            <a:r>
+              <a:rPr lang="en-US" smtClean="0"/>
+              <a:t>larger </a:t>
             </a:r>
             <a:r>
               <a:rPr lang="en-US" dirty="0" smtClean="0"/>
-              <a:t>larger players in the market. </a:t>
+              <a:t>players in the market. </a:t>
             </a:r>
             <a:endParaRPr lang="en-US" dirty="0"/>
           </a:p>

--- a/fancy/openPayment - Original Draft.pptx
+++ b/fancy/openPayment - Original Draft.pptx
@@ -4672,17 +4672,7 @@
                   </a:schemeClr>
                 </a:solidFill>
               </a:rPr>
-              <a:t>Original </a:t>
-            </a:r>
-            <a:r>
-              <a:rPr lang="en-US" dirty="0" smtClean="0">
-                <a:solidFill>
-                  <a:schemeClr val="bg1">
-                    <a:lumMod val="75000"/>
-                  </a:schemeClr>
-                </a:solidFill>
-              </a:rPr>
-              <a:t>Draft</a:t>
+              <a:t>Original Draft</a:t>
             </a:r>
             <a:endParaRPr lang="en-US" dirty="0">
               <a:solidFill>
@@ -5281,11 +5271,7 @@
             </a:pPr>
             <a:r>
               <a:rPr lang="en-US" dirty="0" smtClean="0"/>
-              <a:t>Current methods </a:t>
-            </a:r>
-            <a:r>
-              <a:rPr lang="en-US" dirty="0" smtClean="0"/>
-              <a:t>for performing financial transactions are highly prone to security vulnerabilities.  </a:t>
+              <a:t>Current methods for performing financial transactions are highly prone to security vulnerabilities.  </a:t>
             </a:r>
           </a:p>
           <a:p>
@@ -5299,31 +5285,7 @@
             </a:pPr>
             <a:r>
               <a:rPr lang="en-US" dirty="0" smtClean="0"/>
-              <a:t>Credit, </a:t>
-            </a:r>
-            <a:r>
-              <a:rPr lang="en-US" dirty="0" smtClean="0"/>
-              <a:t>debit, and any other relevant account </a:t>
-            </a:r>
-            <a:r>
-              <a:rPr lang="en-US" dirty="0" smtClean="0"/>
-              <a:t>data is </a:t>
-            </a:r>
-            <a:r>
-              <a:rPr lang="en-US" dirty="0" smtClean="0"/>
-              <a:t>being stored anywhere and everywhere when </a:t>
-            </a:r>
-            <a:r>
-              <a:rPr lang="en-US" dirty="0" smtClean="0"/>
-              <a:t>a </a:t>
-            </a:r>
-            <a:r>
-              <a:rPr lang="en-US" dirty="0" smtClean="0"/>
-              <a:t>non-cash </a:t>
-            </a:r>
-            <a:r>
-              <a:rPr lang="en-US" dirty="0" smtClean="0"/>
-              <a:t>transaction is performed.</a:t>
+              <a:t>Credit, debit, and any other relevant account data is being stored anywhere and everywhere when a non-cash transaction is performed.</a:t>
             </a:r>
           </a:p>
           <a:p>
@@ -5339,7 +5301,6 @@
               <a:rPr lang="en-US" dirty="0" smtClean="0"/>
               <a:t>Stolen credit card data can lead to financial loss, identity theft and other criminal activity</a:t>
             </a:r>
-            <a:endParaRPr lang="en-US" dirty="0" smtClean="0"/>
           </a:p>
           <a:p>
             <a:pPr>
@@ -5352,11 +5313,7 @@
             </a:pPr>
             <a:r>
               <a:rPr lang="en-US" dirty="0" smtClean="0"/>
-              <a:t>Federal </a:t>
-            </a:r>
-            <a:r>
-              <a:rPr lang="en-US" dirty="0" smtClean="0"/>
-              <a:t>Trade Commission says identity theft is the No. 1 complaint it gets from consumers every year.</a:t>
+              <a:t>Federal Trade Commission says identity theft is the No. 1 complaint it gets from consumers every year.</a:t>
             </a:r>
           </a:p>
         </p:txBody>
@@ -5756,15 +5713,7 @@
           <a:p>
             <a:r>
               <a:rPr lang="en-US" dirty="0" smtClean="0"/>
-              <a:t>Solution: A </a:t>
-            </a:r>
-            <a:r>
-              <a:rPr lang="en-US" dirty="0" smtClean="0"/>
-              <a:t>“Token” </a:t>
-            </a:r>
-            <a:r>
-              <a:rPr lang="en-US" dirty="0" smtClean="0"/>
-              <a:t>Perspective</a:t>
+              <a:t>Solution: A “Token” Perspective</a:t>
             </a:r>
             <a:endParaRPr lang="en-US" dirty="0"/>
           </a:p>
@@ -5804,26 +5753,14 @@
             </a:r>
             <a:r>
               <a:rPr lang="en-US" dirty="0" smtClean="0"/>
-              <a:t>sing </a:t>
-            </a:r>
+              <a:t>sing tokens:</a:t>
+            </a:r>
+          </a:p>
+          <a:p>
+            <a:pPr lvl="1"/>
             <a:r>
               <a:rPr lang="en-US" dirty="0" smtClean="0"/>
-              <a:t>tokens:</a:t>
-            </a:r>
-          </a:p>
-          <a:p>
-            <a:pPr lvl="1"/>
-            <a:r>
-              <a:rPr lang="en-US" dirty="0" smtClean="0"/>
-              <a:t>Eliminates the need for Physical </a:t>
-            </a:r>
-            <a:r>
-              <a:rPr lang="en-US" dirty="0" smtClean="0"/>
-              <a:t>cards as a method of </a:t>
-            </a:r>
-            <a:r>
-              <a:rPr lang="en-US" dirty="0" smtClean="0"/>
-              <a:t>payment</a:t>
+              <a:t>Eliminates the need for Physical cards as a method of payment</a:t>
             </a:r>
           </a:p>
           <a:p>
@@ -5842,15 +5779,7 @@
           <a:p>
             <a:r>
               <a:rPr lang="en-US" dirty="0" smtClean="0"/>
-              <a:t>Others companies are </a:t>
-            </a:r>
-            <a:r>
-              <a:rPr lang="en-US" dirty="0" smtClean="0"/>
-              <a:t>working on this problem, </a:t>
-            </a:r>
-            <a:r>
-              <a:rPr lang="en-US" dirty="0" smtClean="0"/>
-              <a:t>including a proposed global standard by </a:t>
+              <a:t>Others companies are working on this problem, including a proposed global standard by </a:t>
             </a:r>
             <a:r>
               <a:rPr lang="en-US" dirty="0"/>
@@ -5864,35 +5793,11 @@
           <a:p>
             <a:r>
               <a:rPr lang="en-US" dirty="0" smtClean="0"/>
-              <a:t>A large concern </a:t>
-            </a:r>
-            <a:r>
-              <a:rPr lang="en-US" dirty="0" smtClean="0"/>
-              <a:t>is that </a:t>
-            </a:r>
-            <a:r>
-              <a:rPr lang="en-US" dirty="0" smtClean="0"/>
-              <a:t>existing efforts </a:t>
-            </a:r>
-            <a:r>
-              <a:rPr lang="en-US" dirty="0" smtClean="0"/>
-              <a:t>will not go far enough in protecting a user’s PII data and the </a:t>
-            </a:r>
-            <a:r>
-              <a:rPr lang="en-US" dirty="0" smtClean="0"/>
-              <a:t>standard would be </a:t>
-            </a:r>
-            <a:r>
-              <a:rPr lang="en-US" dirty="0" smtClean="0"/>
-              <a:t>controlled </a:t>
+              <a:t>A large concern is that existing efforts will not go far enough in protecting a user’s PII data and the standard would be controlled </a:t>
             </a:r>
             <a:r>
               <a:rPr lang="en-US" smtClean="0"/>
-              <a:t>by </a:t>
-            </a:r>
-            <a:r>
-              <a:rPr lang="en-US" smtClean="0"/>
-              <a:t>larger </a:t>
+              <a:t>by larger </a:t>
             </a:r>
             <a:r>
               <a:rPr lang="en-US" dirty="0" smtClean="0"/>
@@ -6332,17 +6237,20 @@
           </a:bodyPr>
           <a:lstStyle/>
           <a:p>
+            <a:pPr marL="0" indent="0">
+              <a:buNone/>
+            </a:pPr>
             <a:r>
               <a:rPr lang="en-US" sz="2400" dirty="0" err="1" smtClean="0"/>
               <a:t>openPayment</a:t>
             </a:r>
             <a:r>
               <a:rPr lang="en-US" sz="2400" dirty="0" smtClean="0"/>
-              <a:t> is a Token payment standard that was developed by </a:t>
+              <a:t> is a Token payment standard that </a:t>
             </a:r>
             <a:r>
               <a:rPr lang="en-US" sz="2400" dirty="0" smtClean="0"/>
-              <a:t>Slalom Security Services (S3), a part of Slalom Consulting.</a:t>
+              <a:t>is currently being developed by a consortium of individuals and companies.</a:t>
             </a:r>
             <a:endParaRPr lang="en-US" sz="2400" dirty="0" smtClean="0"/>
           </a:p>

--- a/fancy/openPayment - Original Draft.pptx
+++ b/fancy/openPayment - Original Draft.pptx
@@ -5299,8 +5299,13 @@
             </a:pPr>
             <a:r>
               <a:rPr lang="en-US" dirty="0" smtClean="0"/>
-              <a:t>Stolen credit card data can lead to financial loss, identity theft and other criminal activity</a:t>
-            </a:r>
+              <a:t>Stolen credit card data can lead to financial loss, identity theft and other criminal </a:t>
+            </a:r>
+            <a:r>
+              <a:rPr lang="en-US" dirty="0" smtClean="0"/>
+              <a:t>activity.</a:t>
+            </a:r>
+            <a:endParaRPr lang="en-US" dirty="0" smtClean="0"/>
           </a:p>
           <a:p>
             <a:pPr>
@@ -5737,13 +5742,21 @@
         </p:spPr>
         <p:txBody>
           <a:bodyPr>
-            <a:normAutofit fontScale="85000" lnSpcReduction="10000"/>
+            <a:normAutofit fontScale="92500" lnSpcReduction="20000"/>
           </a:bodyPr>
           <a:lstStyle/>
           <a:p>
             <a:r>
               <a:rPr lang="en-US" dirty="0" smtClean="0"/>
-              <a:t>The solution is to use digital Tokens as a method to perform transactions.</a:t>
+              <a:t>The solution is to use digital </a:t>
+            </a:r>
+            <a:r>
+              <a:rPr lang="en-US" dirty="0" smtClean="0"/>
+              <a:t>tokens </a:t>
+            </a:r>
+            <a:r>
+              <a:rPr lang="en-US" dirty="0" smtClean="0"/>
+              <a:t>as a method to perform transactions.</a:t>
             </a:r>
           </a:p>
           <a:p>
@@ -5753,7 +5766,15 @@
             </a:r>
             <a:r>
               <a:rPr lang="en-US" dirty="0" smtClean="0"/>
-              <a:t>sing tokens:</a:t>
+              <a:t>sing </a:t>
+            </a:r>
+            <a:r>
+              <a:rPr lang="en-US" dirty="0" smtClean="0"/>
+              <a:t>digital tokens</a:t>
+            </a:r>
+            <a:r>
+              <a:rPr lang="en-US" dirty="0" smtClean="0"/>
+              <a:t>:</a:t>
             </a:r>
           </a:p>
           <a:p>
@@ -5779,7 +5800,27 @@
           <a:p>
             <a:r>
               <a:rPr lang="en-US" dirty="0" smtClean="0"/>
-              <a:t>Others companies are working on this problem, including a proposed global standard by </a:t>
+              <a:t>Others </a:t>
+            </a:r>
+            <a:r>
+              <a:rPr lang="en-US" dirty="0" smtClean="0"/>
+              <a:t>are </a:t>
+            </a:r>
+            <a:r>
+              <a:rPr lang="en-US" dirty="0" smtClean="0"/>
+              <a:t>working on this problem, including a proposed global </a:t>
+            </a:r>
+            <a:r>
+              <a:rPr lang="en-US" dirty="0"/>
+              <a:t>digital </a:t>
+            </a:r>
+            <a:r>
+              <a:rPr lang="en-US" dirty="0" smtClean="0"/>
+              <a:t>token standard </a:t>
+            </a:r>
+            <a:r>
+              <a:rPr lang="en-US" dirty="0" smtClean="0"/>
+              <a:t>by </a:t>
             </a:r>
             <a:r>
               <a:rPr lang="en-US" dirty="0"/>
@@ -5793,15 +5834,7 @@
           <a:p>
             <a:r>
               <a:rPr lang="en-US" dirty="0" smtClean="0"/>
-              <a:t>A large concern is that existing efforts will not go far enough in protecting a user’s PII data and the standard would be controlled </a:t>
-            </a:r>
-            <a:r>
-              <a:rPr lang="en-US" smtClean="0"/>
-              <a:t>by larger </a:t>
-            </a:r>
-            <a:r>
-              <a:rPr lang="en-US" dirty="0" smtClean="0"/>
-              <a:t>players in the market. </a:t>
+              <a:t>A large concern is that existing efforts will not go far enough in protecting a user’s PII data and the standard would be controlled by larger players in the market. </a:t>
             </a:r>
             <a:endParaRPr lang="en-US" dirty="0"/>
           </a:p>
@@ -6233,7 +6266,7 @@
         </p:spPr>
         <p:txBody>
           <a:bodyPr>
-            <a:normAutofit/>
+            <a:normAutofit fontScale="92500"/>
           </a:bodyPr>
           <a:lstStyle/>
           <a:p>
@@ -6241,18 +6274,29 @@
               <a:buNone/>
             </a:pPr>
             <a:r>
-              <a:rPr lang="en-US" sz="2400" dirty="0" err="1" smtClean="0"/>
+              <a:rPr lang="en-US" sz="2400" b="1" dirty="0" err="1" smtClean="0"/>
               <a:t>openPayment</a:t>
             </a:r>
             <a:r>
-              <a:rPr lang="en-US" sz="2400" dirty="0" smtClean="0"/>
-              <a:t> is a Token payment standard that </a:t>
-            </a:r>
-            <a:r>
-              <a:rPr lang="en-US" sz="2400" dirty="0" smtClean="0"/>
-              <a:t>is currently being developed by a consortium of individuals and companies.</a:t>
-            </a:r>
-            <a:endParaRPr lang="en-US" sz="2400" dirty="0" smtClean="0"/>
+              <a:rPr lang="en-US" sz="2400" b="1" dirty="0" smtClean="0"/>
+              <a:t> is </a:t>
+            </a:r>
+            <a:r>
+              <a:rPr lang="en-US" sz="2400" b="1" dirty="0" smtClean="0"/>
+              <a:t>an digital token </a:t>
+            </a:r>
+            <a:r>
+              <a:rPr lang="en-US" sz="2400" b="1" dirty="0" smtClean="0"/>
+              <a:t>payment </a:t>
+            </a:r>
+            <a:r>
+              <a:rPr lang="en-US" sz="2400" b="1" dirty="0" smtClean="0"/>
+              <a:t>open standard </a:t>
+            </a:r>
+            <a:r>
+              <a:rPr lang="en-US" sz="2400" b="1" dirty="0" smtClean="0"/>
+              <a:t>that is currently being developed by a consortium of individuals and companies.</a:t>
+            </a:r>
           </a:p>
         </p:txBody>
       </p:sp>
@@ -6588,7 +6632,7 @@
           <p:nvPr>
             <p:extLst>
               <p:ext uri="{D42A27DB-BD31-4B8C-83A1-F6EECF244321}">
-                <p14:modId xmlns:p14="http://schemas.microsoft.com/office/powerpoint/2010/main" val="2280838247"/>
+                <p14:modId xmlns:p14="http://schemas.microsoft.com/office/powerpoint/2010/main" val="3406197004"/>
               </p:ext>
             </p:extLst>
           </p:nvPr>
@@ -6649,8 +6693,13 @@
                       </a:pPr>
                       <a:r>
                         <a:rPr lang="en-US" dirty="0" smtClean="0"/>
-                        <a:t>Protect a user’s PII data at all costs</a:t>
+                        <a:t>Protect a user’s PII data at all </a:t>
                       </a:r>
+                      <a:r>
+                        <a:rPr lang="en-US" dirty="0" smtClean="0"/>
+                        <a:t>costs.</a:t>
+                      </a:r>
+                      <a:endParaRPr lang="en-US" dirty="0" smtClean="0"/>
                     </a:p>
                     <a:p>
                       <a:pPr marL="742950" lvl="1" indent="-285750">
@@ -6662,8 +6711,13 @@
                       </a:pPr>
                       <a:r>
                         <a:rPr lang="en-US" dirty="0" smtClean="0"/>
-                        <a:t>Facilitate consumer financial transactions using digital tokens (both online and offline)</a:t>
+                        <a:t>Facilitate consumer financial transactions using digital tokens (both online and offline</a:t>
                       </a:r>
+                      <a:r>
+                        <a:rPr lang="en-US" dirty="0" smtClean="0"/>
+                        <a:t>).</a:t>
+                      </a:r>
+                      <a:endParaRPr lang="en-US" dirty="0" smtClean="0"/>
                     </a:p>
                     <a:p>
                       <a:pPr marL="742950" lvl="1" indent="-285750">
@@ -6680,6 +6734,10 @@
                       <a:r>
                         <a:rPr lang="en-US" dirty="0" err="1" smtClean="0"/>
                         <a:t>openPayment</a:t>
+                      </a:r>
+                      <a:r>
+                        <a:rPr lang="en-US" smtClean="0"/>
+                        <a:t>.</a:t>
                       </a:r>
                       <a:endParaRPr lang="en-US" dirty="0" smtClean="0"/>
                     </a:p>
